--- a/e-book.pptx
+++ b/e-book.pptx
@@ -6,7 +6,13 @@
   </p:sldMasterIdLst>
   <p:sldIdLst>
     <p:sldId id="256" r:id="rId2"/>
-    <p:sldId id="258" r:id="rId3"/>
+    <p:sldId id="259" r:id="rId3"/>
+    <p:sldId id="258" r:id="rId4"/>
+    <p:sldId id="260" r:id="rId5"/>
+    <p:sldId id="261" r:id="rId6"/>
+    <p:sldId id="262" r:id="rId7"/>
+    <p:sldId id="263" r:id="rId8"/>
+    <p:sldId id="264" r:id="rId9"/>
   </p:sldIdLst>
   <p:sldSz cx="9601200" cy="12801600" type="A3"/>
   <p:notesSz cx="6858000" cy="9144000"/>
@@ -3380,10 +3386,1212 @@
           <a:chExt cx="0" cy="0"/>
         </a:xfrm>
       </p:grpSpPr>
+      <p:sp>
+        <p:nvSpPr>
+          <p:cNvPr id="6" name="CaixaDeTexto 5">
+            <a:extLst>
+              <a:ext uri="{FF2B5EF4-FFF2-40B4-BE49-F238E27FC236}">
+                <a16:creationId xmlns:a16="http://schemas.microsoft.com/office/drawing/2014/main" id="{77730364-990F-48E5-97E7-881174E8796B}"/>
+              </a:ext>
+            </a:extLst>
+          </p:cNvPr>
+          <p:cNvSpPr txBox="1"/>
+          <p:nvPr/>
+        </p:nvSpPr>
+        <p:spPr>
+          <a:xfrm>
+            <a:off x="731520" y="3723144"/>
+            <a:ext cx="8490857" cy="2308324"/>
+          </a:xfrm>
+          <a:prstGeom prst="rect">
+            <a:avLst/>
+          </a:prstGeom>
+          <a:noFill/>
+        </p:spPr>
+        <p:txBody>
+          <a:bodyPr wrap="square" rtlCol="0">
+            <a:spAutoFit/>
+          </a:bodyPr>
+          <a:lstStyle/>
+          <a:p>
+            <a:r>
+              <a:rPr lang="pt-BR" sz="2400" dirty="0">
+                <a:ea typeface="Verdana" panose="020B0604030504040204" pitchFamily="34" charset="0"/>
+              </a:rPr>
+              <a:t>Lorem ipsum dolor sit amet, consectetuer adipiscing elit. Maecenas porttitor congue massa. Fusce posuere, magna sed pulvinar ultricies, purus lectus malesuada libero, sit amet commodo magna eros quis urna.</a:t>
+            </a:r>
+          </a:p>
+          <a:p>
+            <a:endParaRPr lang="pt-BR" sz="2400" dirty="0">
+              <a:ea typeface="Verdana" panose="020B0604030504040204" pitchFamily="34" charset="0"/>
+            </a:endParaRPr>
+          </a:p>
+          <a:p>
+            <a:endParaRPr lang="pt-BR" sz="2400" dirty="0">
+              <a:ea typeface="Verdana" panose="020B0604030504040204" pitchFamily="34" charset="0"/>
+            </a:endParaRPr>
+          </a:p>
+        </p:txBody>
+      </p:sp>
+      <p:sp>
+        <p:nvSpPr>
+          <p:cNvPr id="7" name="CaixaDeTexto 6">
+            <a:extLst>
+              <a:ext uri="{FF2B5EF4-FFF2-40B4-BE49-F238E27FC236}">
+                <a16:creationId xmlns:a16="http://schemas.microsoft.com/office/drawing/2014/main" id="{FCD85300-2354-498C-9395-9D1BAF9EBAFC}"/>
+              </a:ext>
+            </a:extLst>
+          </p:cNvPr>
+          <p:cNvSpPr txBox="1"/>
+          <p:nvPr/>
+        </p:nvSpPr>
+        <p:spPr>
+          <a:xfrm>
+            <a:off x="940526" y="731520"/>
+            <a:ext cx="7236823" cy="707886"/>
+          </a:xfrm>
+          <a:prstGeom prst="rect">
+            <a:avLst/>
+          </a:prstGeom>
+          <a:noFill/>
+        </p:spPr>
+        <p:txBody>
+          <a:bodyPr wrap="square" rtlCol="0">
+            <a:spAutoFit/>
+          </a:bodyPr>
+          <a:lstStyle/>
+          <a:p>
+            <a:r>
+              <a:rPr lang="pt-BR" sz="4000" dirty="0">
+                <a:latin typeface="Impact" panose="020B0806030902050204" pitchFamily="34" charset="0"/>
+                <a:ea typeface="Verdana" panose="020B0604030504040204" pitchFamily="34" charset="0"/>
+              </a:rPr>
+              <a:t>Lorem ipsum dolor sit amet, </a:t>
+            </a:r>
+          </a:p>
+        </p:txBody>
+      </p:sp>
+      <p:sp>
+        <p:nvSpPr>
+          <p:cNvPr id="8" name="CaixaDeTexto 7">
+            <a:extLst>
+              <a:ext uri="{FF2B5EF4-FFF2-40B4-BE49-F238E27FC236}">
+                <a16:creationId xmlns:a16="http://schemas.microsoft.com/office/drawing/2014/main" id="{E1CD2C4C-1494-48FB-A264-87ACE414EAA3}"/>
+              </a:ext>
+            </a:extLst>
+          </p:cNvPr>
+          <p:cNvSpPr txBox="1"/>
+          <p:nvPr/>
+        </p:nvSpPr>
+        <p:spPr>
+          <a:xfrm>
+            <a:off x="940525" y="2061605"/>
+            <a:ext cx="5930537" cy="584775"/>
+          </a:xfrm>
+          <a:prstGeom prst="rect">
+            <a:avLst/>
+          </a:prstGeom>
+          <a:noFill/>
+        </p:spPr>
+        <p:txBody>
+          <a:bodyPr wrap="square" rtlCol="0">
+            <a:spAutoFit/>
+          </a:bodyPr>
+          <a:lstStyle/>
+          <a:p>
+            <a:r>
+              <a:rPr lang="pt-BR" sz="3200" dirty="0">
+                <a:latin typeface="+mj-lt"/>
+                <a:ea typeface="Verdana" panose="020B0604030504040204" pitchFamily="34" charset="0"/>
+              </a:rPr>
+              <a:t>Lorem ipsum dolor sit amet, </a:t>
+            </a:r>
+          </a:p>
+        </p:txBody>
+      </p:sp>
+    </p:spTree>
+    <p:extLst>
+      <p:ext uri="{BB962C8B-B14F-4D97-AF65-F5344CB8AC3E}">
+        <p14:creationId xmlns:p14="http://schemas.microsoft.com/office/powerpoint/2010/main" val="2942695672"/>
+      </p:ext>
+    </p:extLst>
+  </p:cSld>
+  <p:clrMapOvr>
+    <a:masterClrMapping/>
+  </p:clrMapOvr>
+</p:sld>
+</file>
+
+<file path=ppt/slides/slide3.xml><?xml version="1.0" encoding="utf-8"?>
+<p:sld xmlns:a="http://schemas.openxmlformats.org/drawingml/2006/main" xmlns:r="http://schemas.openxmlformats.org/officeDocument/2006/relationships" xmlns:p="http://schemas.openxmlformats.org/presentationml/2006/main">
+  <p:cSld>
+    <p:spTree>
+      <p:nvGrpSpPr>
+        <p:cNvPr id="1" name=""/>
+        <p:cNvGrpSpPr/>
+        <p:nvPr/>
+      </p:nvGrpSpPr>
+      <p:grpSpPr>
+        <a:xfrm>
+          <a:off x="0" y="0"/>
+          <a:ext cx="0" cy="0"/>
+          <a:chOff x="0" y="0"/>
+          <a:chExt cx="0" cy="0"/>
+        </a:xfrm>
+      </p:grpSpPr>
+      <p:sp>
+        <p:nvSpPr>
+          <p:cNvPr id="2" name="Retângulo 1">
+            <a:extLst>
+              <a:ext uri="{FF2B5EF4-FFF2-40B4-BE49-F238E27FC236}">
+                <a16:creationId xmlns:a16="http://schemas.microsoft.com/office/drawing/2014/main" id="{56E00986-74EA-423A-BCA8-605F996C9B29}"/>
+              </a:ext>
+            </a:extLst>
+          </p:cNvPr>
+          <p:cNvSpPr/>
+          <p:nvPr/>
+        </p:nvSpPr>
+        <p:spPr>
+          <a:xfrm>
+            <a:off x="0" y="0"/>
+            <a:ext cx="9601200" cy="12801600"/>
+          </a:xfrm>
+          <a:prstGeom prst="rect">
+            <a:avLst/>
+          </a:prstGeom>
+          <a:solidFill>
+            <a:schemeClr val="tx1">
+              <a:lumMod val="75000"/>
+              <a:lumOff val="25000"/>
+            </a:schemeClr>
+          </a:solidFill>
+          <a:ln>
+            <a:noFill/>
+          </a:ln>
+        </p:spPr>
+        <p:style>
+          <a:lnRef idx="2">
+            <a:schemeClr val="accent1">
+              <a:shade val="50000"/>
+            </a:schemeClr>
+          </a:lnRef>
+          <a:fillRef idx="1">
+            <a:schemeClr val="accent1"/>
+          </a:fillRef>
+          <a:effectRef idx="0">
+            <a:schemeClr val="accent1"/>
+          </a:effectRef>
+          <a:fontRef idx="minor">
+            <a:schemeClr val="lt1"/>
+          </a:fontRef>
+        </p:style>
+        <p:txBody>
+          <a:bodyPr rtlCol="0" anchor="ctr"/>
+          <a:lstStyle/>
+          <a:p>
+            <a:pPr algn="ctr"/>
+            <a:endParaRPr lang="pt-BR"/>
+          </a:p>
+        </p:txBody>
+      </p:sp>
     </p:spTree>
     <p:extLst>
       <p:ext uri="{BB962C8B-B14F-4D97-AF65-F5344CB8AC3E}">
         <p14:creationId xmlns:p14="http://schemas.microsoft.com/office/powerpoint/2010/main" val="2575128544"/>
+      </p:ext>
+    </p:extLst>
+  </p:cSld>
+  <p:clrMapOvr>
+    <a:masterClrMapping/>
+  </p:clrMapOvr>
+</p:sld>
+</file>
+
+<file path=ppt/slides/slide4.xml><?xml version="1.0" encoding="utf-8"?>
+<p:sld xmlns:a="http://schemas.openxmlformats.org/drawingml/2006/main" xmlns:r="http://schemas.openxmlformats.org/officeDocument/2006/relationships" xmlns:p="http://schemas.openxmlformats.org/presentationml/2006/main">
+  <p:cSld>
+    <p:spTree>
+      <p:nvGrpSpPr>
+        <p:cNvPr id="1" name=""/>
+        <p:cNvGrpSpPr/>
+        <p:nvPr/>
+      </p:nvGrpSpPr>
+      <p:grpSpPr>
+        <a:xfrm>
+          <a:off x="0" y="0"/>
+          <a:ext cx="0" cy="0"/>
+          <a:chOff x="0" y="0"/>
+          <a:chExt cx="0" cy="0"/>
+        </a:xfrm>
+      </p:grpSpPr>
+      <p:sp>
+        <p:nvSpPr>
+          <p:cNvPr id="4" name="CaixaDeTexto 3">
+            <a:extLst>
+              <a:ext uri="{FF2B5EF4-FFF2-40B4-BE49-F238E27FC236}">
+                <a16:creationId xmlns:a16="http://schemas.microsoft.com/office/drawing/2014/main" id="{9A572CCE-9932-43F6-B932-C353D0EFE849}"/>
+              </a:ext>
+            </a:extLst>
+          </p:cNvPr>
+          <p:cNvSpPr txBox="1"/>
+          <p:nvPr/>
+        </p:nvSpPr>
+        <p:spPr>
+          <a:xfrm>
+            <a:off x="940526" y="731520"/>
+            <a:ext cx="7236823" cy="707886"/>
+          </a:xfrm>
+          <a:prstGeom prst="rect">
+            <a:avLst/>
+          </a:prstGeom>
+          <a:noFill/>
+        </p:spPr>
+        <p:txBody>
+          <a:bodyPr wrap="square" rtlCol="0">
+            <a:spAutoFit/>
+          </a:bodyPr>
+          <a:lstStyle/>
+          <a:p>
+            <a:r>
+              <a:rPr lang="pt-BR" sz="4000" dirty="0">
+                <a:latin typeface="Impact" panose="020B0806030902050204" pitchFamily="34" charset="0"/>
+                <a:ea typeface="Verdana" panose="020B0604030504040204" pitchFamily="34" charset="0"/>
+              </a:rPr>
+              <a:t>Capitulo 1 :  Golpe do Pix errado</a:t>
+            </a:r>
+          </a:p>
+        </p:txBody>
+      </p:sp>
+      <p:sp>
+        <p:nvSpPr>
+          <p:cNvPr id="5" name="CaixaDeTexto 4">
+            <a:extLst>
+              <a:ext uri="{FF2B5EF4-FFF2-40B4-BE49-F238E27FC236}">
+                <a16:creationId xmlns:a16="http://schemas.microsoft.com/office/drawing/2014/main" id="{26696D64-8954-4F1D-AF52-CA5BC4A35A9D}"/>
+              </a:ext>
+            </a:extLst>
+          </p:cNvPr>
+          <p:cNvSpPr txBox="1"/>
+          <p:nvPr/>
+        </p:nvSpPr>
+        <p:spPr>
+          <a:xfrm>
+            <a:off x="940526" y="1700663"/>
+            <a:ext cx="7994468" cy="1077218"/>
+          </a:xfrm>
+          <a:prstGeom prst="rect">
+            <a:avLst/>
+          </a:prstGeom>
+          <a:noFill/>
+        </p:spPr>
+        <p:txBody>
+          <a:bodyPr wrap="square" rtlCol="0">
+            <a:spAutoFit/>
+          </a:bodyPr>
+          <a:lstStyle/>
+          <a:p>
+            <a:r>
+              <a:rPr lang="pt-BR" sz="3200" dirty="0">
+                <a:latin typeface="+mj-lt"/>
+                <a:ea typeface="Verdana" panose="020B0604030504040204" pitchFamily="34" charset="0"/>
+              </a:rPr>
+              <a:t>Como Identificar e Evitar o Golpe do Pix por Erro de Chave</a:t>
+            </a:r>
+          </a:p>
+        </p:txBody>
+      </p:sp>
+      <p:sp>
+        <p:nvSpPr>
+          <p:cNvPr id="6" name="CaixaDeTexto 5">
+            <a:extLst>
+              <a:ext uri="{FF2B5EF4-FFF2-40B4-BE49-F238E27FC236}">
+                <a16:creationId xmlns:a16="http://schemas.microsoft.com/office/drawing/2014/main" id="{5E55CC7C-74F3-4268-A5AC-30262E5EA6BD}"/>
+              </a:ext>
+            </a:extLst>
+          </p:cNvPr>
+          <p:cNvSpPr txBox="1"/>
+          <p:nvPr/>
+        </p:nvSpPr>
+        <p:spPr>
+          <a:xfrm>
+            <a:off x="940526" y="3039138"/>
+            <a:ext cx="8490857" cy="8956298"/>
+          </a:xfrm>
+          <a:prstGeom prst="rect">
+            <a:avLst/>
+          </a:prstGeom>
+          <a:noFill/>
+        </p:spPr>
+        <p:txBody>
+          <a:bodyPr wrap="square" rtlCol="0">
+            <a:spAutoFit/>
+          </a:bodyPr>
+          <a:lstStyle/>
+          <a:p>
+            <a:r>
+              <a:rPr lang="pt-BR" sz="2400" dirty="0">
+                <a:ea typeface="Verdana" panose="020B0604030504040204" pitchFamily="34" charset="0"/>
+              </a:rPr>
+              <a:t>Este golpe é uma modalidade sofisticada e tem sido cada vez mais usada contra comerciantes e pessoas físicas, aproveitando-se da confiança e da rapidez nas transferências instantâneas do Pix. </a:t>
+            </a:r>
+          </a:p>
+          <a:p>
+            <a:endParaRPr lang="pt-BR" sz="2400" dirty="0">
+              <a:ea typeface="Verdana" panose="020B0604030504040204" pitchFamily="34" charset="0"/>
+            </a:endParaRPr>
+          </a:p>
+          <a:p>
+            <a:r>
+              <a:rPr lang="pt-BR" sz="2400" dirty="0">
+                <a:ea typeface="Verdana" panose="020B0604030504040204" pitchFamily="34" charset="0"/>
+              </a:rPr>
+              <a:t>No golpe, o criminoso envia um valor real via Pix para a conta da vítima (neste caso, o comerciante) e em seguida, entra em contato, geralmente por mensagem ou ligação, alegando que o valor foi transferido "por engano". </a:t>
+            </a:r>
+          </a:p>
+          <a:p>
+            <a:endParaRPr lang="pt-BR" sz="2400" dirty="0">
+              <a:ea typeface="Verdana" panose="020B0604030504040204" pitchFamily="34" charset="0"/>
+            </a:endParaRPr>
+          </a:p>
+          <a:p>
+            <a:r>
+              <a:rPr lang="pt-BR" sz="2400" dirty="0">
+                <a:ea typeface="Verdana" panose="020B0604030504040204" pitchFamily="34" charset="0"/>
+              </a:rPr>
+              <a:t>Ele pede que a vítima devolva o dinheiro, mas, em vez de fornecer a mesma chave Pix utilizada na transferência inicial, ele dá uma nova chave Pix de uma terceira </a:t>
+            </a:r>
+            <a:r>
+              <a:rPr lang="pt-BR" sz="2400" dirty="0" err="1">
+                <a:ea typeface="Verdana" panose="020B0604030504040204" pitchFamily="34" charset="0"/>
+              </a:rPr>
+              <a:t>conta.Com</a:t>
+            </a:r>
+            <a:r>
+              <a:rPr lang="pt-BR" sz="2400" dirty="0">
+                <a:ea typeface="Verdana" panose="020B0604030504040204" pitchFamily="34" charset="0"/>
+              </a:rPr>
+              <a:t> isso, o criminoso tenta realizar duas fraudes simultaneamente: a primeira ao induzir o comerciante a transferir o dinheiro para uma conta diferente, e a segunda ao acionar o Mecanismo Especial de Devolução (MED) do Pix. </a:t>
+            </a:r>
+          </a:p>
+          <a:p>
+            <a:endParaRPr lang="pt-BR" sz="2400" dirty="0">
+              <a:ea typeface="Verdana" panose="020B0604030504040204" pitchFamily="34" charset="0"/>
+            </a:endParaRPr>
+          </a:p>
+          <a:p>
+            <a:r>
+              <a:rPr lang="pt-BR" sz="2400" dirty="0">
+                <a:ea typeface="Verdana" panose="020B0604030504040204" pitchFamily="34" charset="0"/>
+              </a:rPr>
+              <a:t>Esse mecanismo permite ao golpista tentar recuperar o valor inicialmente enviado, alegando ao banco que houve uma transação indevida. </a:t>
+            </a:r>
+          </a:p>
+          <a:p>
+            <a:endParaRPr lang="pt-BR" sz="2400" dirty="0">
+              <a:ea typeface="Verdana" panose="020B0604030504040204" pitchFamily="34" charset="0"/>
+            </a:endParaRPr>
+          </a:p>
+          <a:p>
+            <a:r>
+              <a:rPr lang="pt-BR" sz="2400" dirty="0">
+                <a:ea typeface="Verdana" panose="020B0604030504040204" pitchFamily="34" charset="0"/>
+              </a:rPr>
+              <a:t>Com sucesso, o bandido consegue tanto o dinheiro devolvido pela vítima para a terceira conta, quanto o valor solicitado via MED, deixando o comerciante no prejuízo.</a:t>
+            </a:r>
+          </a:p>
+        </p:txBody>
+      </p:sp>
+    </p:spTree>
+    <p:extLst>
+      <p:ext uri="{BB962C8B-B14F-4D97-AF65-F5344CB8AC3E}">
+        <p14:creationId xmlns:p14="http://schemas.microsoft.com/office/powerpoint/2010/main" val="2818404805"/>
+      </p:ext>
+    </p:extLst>
+  </p:cSld>
+  <p:clrMapOvr>
+    <a:masterClrMapping/>
+  </p:clrMapOvr>
+</p:sld>
+</file>
+
+<file path=ppt/slides/slide5.xml><?xml version="1.0" encoding="utf-8"?>
+<p:sld xmlns:a="http://schemas.openxmlformats.org/drawingml/2006/main" xmlns:r="http://schemas.openxmlformats.org/officeDocument/2006/relationships" xmlns:p="http://schemas.openxmlformats.org/presentationml/2006/main">
+  <p:cSld>
+    <p:spTree>
+      <p:nvGrpSpPr>
+        <p:cNvPr id="1" name=""/>
+        <p:cNvGrpSpPr/>
+        <p:nvPr/>
+      </p:nvGrpSpPr>
+      <p:grpSpPr>
+        <a:xfrm>
+          <a:off x="0" y="0"/>
+          <a:ext cx="0" cy="0"/>
+          <a:chOff x="0" y="0"/>
+          <a:chExt cx="0" cy="0"/>
+        </a:xfrm>
+      </p:grpSpPr>
+      <p:sp>
+        <p:nvSpPr>
+          <p:cNvPr id="4" name="CaixaDeTexto 3">
+            <a:extLst>
+              <a:ext uri="{FF2B5EF4-FFF2-40B4-BE49-F238E27FC236}">
+                <a16:creationId xmlns:a16="http://schemas.microsoft.com/office/drawing/2014/main" id="{5B5A9DB0-2CE1-4276-9FE8-C5A3889E3FEC}"/>
+              </a:ext>
+            </a:extLst>
+          </p:cNvPr>
+          <p:cNvSpPr txBox="1"/>
+          <p:nvPr/>
+        </p:nvSpPr>
+        <p:spPr>
+          <a:xfrm>
+            <a:off x="555171" y="849315"/>
+            <a:ext cx="8490857" cy="11910953"/>
+          </a:xfrm>
+          <a:prstGeom prst="rect">
+            <a:avLst/>
+          </a:prstGeom>
+          <a:noFill/>
+        </p:spPr>
+        <p:txBody>
+          <a:bodyPr wrap="square" rtlCol="0">
+            <a:spAutoFit/>
+          </a:bodyPr>
+          <a:lstStyle/>
+          <a:p>
+            <a:r>
+              <a:rPr lang="pt-BR" sz="2400" dirty="0">
+                <a:ea typeface="Verdana" panose="020B0604030504040204" pitchFamily="34" charset="0"/>
+              </a:rPr>
+              <a:t>Passo a Passo: Como o Golpe Acontece:</a:t>
+            </a:r>
+            <a:br>
+              <a:rPr lang="pt-BR" sz="2400" dirty="0">
+                <a:ea typeface="Verdana" panose="020B0604030504040204" pitchFamily="34" charset="0"/>
+              </a:rPr>
+            </a:br>
+            <a:br>
+              <a:rPr lang="pt-BR" sz="2400" dirty="0">
+                <a:ea typeface="Verdana" panose="020B0604030504040204" pitchFamily="34" charset="0"/>
+              </a:rPr>
+            </a:br>
+            <a:r>
+              <a:rPr lang="pt-BR" sz="2400" dirty="0">
+                <a:ea typeface="Verdana" panose="020B0604030504040204" pitchFamily="34" charset="0"/>
+              </a:rPr>
+              <a:t>Abaixo, uma descrição detalhada de como esse golpe costuma ocorrer, do contato inicial até o pedido de devolução:</a:t>
+            </a:r>
+          </a:p>
+          <a:p>
+            <a:endParaRPr lang="pt-BR" sz="2400" dirty="0">
+              <a:ea typeface="Verdana" panose="020B0604030504040204" pitchFamily="34" charset="0"/>
+            </a:endParaRPr>
+          </a:p>
+          <a:p>
+            <a:pPr marL="342900" indent="-342900">
+              <a:buFont typeface="Arial" panose="020B0604020202020204" pitchFamily="34" charset="0"/>
+              <a:buChar char="•"/>
+            </a:pPr>
+            <a:r>
+              <a:rPr lang="pt-BR" sz="2400" dirty="0">
+                <a:ea typeface="Verdana" panose="020B0604030504040204" pitchFamily="34" charset="0"/>
+              </a:rPr>
+              <a:t>Pix Inicial para a Vítima: O golpista realiza uma transferência Pix real para a conta da vítima. Esse pagamento chega na conta do comerciante, e ele realmente vê o valor em seu extrato.</a:t>
+            </a:r>
+          </a:p>
+          <a:p>
+            <a:pPr marL="342900" indent="-342900">
+              <a:buFont typeface="Arial" panose="020B0604020202020204" pitchFamily="34" charset="0"/>
+              <a:buChar char="•"/>
+            </a:pPr>
+            <a:endParaRPr lang="pt-BR" sz="2400" dirty="0">
+              <a:ea typeface="Verdana" panose="020B0604030504040204" pitchFamily="34" charset="0"/>
+            </a:endParaRPr>
+          </a:p>
+          <a:p>
+            <a:pPr marL="342900" indent="-342900">
+              <a:buFont typeface="Arial" panose="020B0604020202020204" pitchFamily="34" charset="0"/>
+              <a:buChar char="•"/>
+            </a:pPr>
+            <a:r>
+              <a:rPr lang="pt-BR" sz="2400" dirty="0">
+                <a:ea typeface="Verdana" panose="020B0604030504040204" pitchFamily="34" charset="0"/>
+              </a:rPr>
+              <a:t>Contato com a Vítima: Logo após, o golpista entra em contato com a vítima alegando que o Pix foi enviado “por engano”. Ele se identifica como o remetente da transação e faz um apelo para que o comerciante devolva o valor o mais rápido possível.</a:t>
+            </a:r>
+          </a:p>
+          <a:p>
+            <a:pPr marL="342900" indent="-342900">
+              <a:buFont typeface="Arial" panose="020B0604020202020204" pitchFamily="34" charset="0"/>
+              <a:buChar char="•"/>
+            </a:pPr>
+            <a:endParaRPr lang="pt-BR" sz="2400" dirty="0">
+              <a:ea typeface="Verdana" panose="020B0604030504040204" pitchFamily="34" charset="0"/>
+            </a:endParaRPr>
+          </a:p>
+          <a:p>
+            <a:pPr marL="342900" indent="-342900">
+              <a:buFont typeface="Arial" panose="020B0604020202020204" pitchFamily="34" charset="0"/>
+              <a:buChar char="•"/>
+            </a:pPr>
+            <a:r>
+              <a:rPr lang="pt-BR" sz="2400" dirty="0">
+                <a:ea typeface="Verdana" panose="020B0604030504040204" pitchFamily="34" charset="0"/>
+              </a:rPr>
+              <a:t>Solicitação de Devolução para Outra Conta: Ao invés de fornecer a mesma chave Pix utilizada na transação, o golpista dá uma nova chave, que pertence a uma terceira conta. Isso é fundamental para o sucesso do golpe, pois cria uma situação onde a devolução não retorna ao remetente original.</a:t>
+            </a:r>
+          </a:p>
+          <a:p>
+            <a:pPr marL="342900" indent="-342900">
+              <a:buFont typeface="Arial" panose="020B0604020202020204" pitchFamily="34" charset="0"/>
+              <a:buChar char="•"/>
+            </a:pPr>
+            <a:endParaRPr lang="pt-BR" sz="2400" dirty="0">
+              <a:ea typeface="Verdana" panose="020B0604030504040204" pitchFamily="34" charset="0"/>
+            </a:endParaRPr>
+          </a:p>
+          <a:p>
+            <a:pPr marL="342900" indent="-342900">
+              <a:buFont typeface="Arial" panose="020B0604020202020204" pitchFamily="34" charset="0"/>
+              <a:buChar char="•"/>
+            </a:pPr>
+            <a:r>
+              <a:rPr lang="pt-BR" sz="2400" dirty="0">
+                <a:ea typeface="Verdana" panose="020B0604030504040204" pitchFamily="34" charset="0"/>
+              </a:rPr>
+              <a:t>Ativação do Mecanismo Especial de Devolução (MED): Após a vítima realizar a devolução para a terceira conta, o golpista entra em contato com o banco e aciona o MED. Ele alega que a transferência original foi um engano e solicita o reembolso do valor enviado, afirmando que foi vítima de um erro.</a:t>
+            </a:r>
+          </a:p>
+          <a:p>
+            <a:pPr marL="342900" indent="-342900">
+              <a:buFont typeface="Arial" panose="020B0604020202020204" pitchFamily="34" charset="0"/>
+              <a:buChar char="•"/>
+            </a:pPr>
+            <a:endParaRPr lang="pt-BR" sz="2400" dirty="0">
+              <a:ea typeface="Verdana" panose="020B0604030504040204" pitchFamily="34" charset="0"/>
+            </a:endParaRPr>
+          </a:p>
+          <a:p>
+            <a:pPr marL="342900" indent="-342900">
+              <a:buFont typeface="Arial" panose="020B0604020202020204" pitchFamily="34" charset="0"/>
+              <a:buChar char="•"/>
+            </a:pPr>
+            <a:r>
+              <a:rPr lang="pt-BR" sz="2400" dirty="0">
+                <a:ea typeface="Verdana" panose="020B0604030504040204" pitchFamily="34" charset="0"/>
+              </a:rPr>
+              <a:t>Duplicação do Valor: Se o MED for bem-sucedido, o golpista consegue receber o valor original de volta pelo banco, além do montante que a vítima enviou para a terceira conta.</a:t>
+            </a:r>
+          </a:p>
+          <a:p>
+            <a:pPr marL="342900" indent="-342900">
+              <a:buFont typeface="Arial" panose="020B0604020202020204" pitchFamily="34" charset="0"/>
+              <a:buChar char="•"/>
+            </a:pPr>
+            <a:endParaRPr lang="pt-BR" sz="2400" dirty="0">
+              <a:ea typeface="Verdana" panose="020B0604030504040204" pitchFamily="34" charset="0"/>
+            </a:endParaRPr>
+          </a:p>
+          <a:p>
+            <a:pPr marL="342900" indent="-342900">
+              <a:buFont typeface="Arial" panose="020B0604020202020204" pitchFamily="34" charset="0"/>
+              <a:buChar char="•"/>
+            </a:pPr>
+            <a:r>
+              <a:rPr lang="pt-BR" sz="2400" dirty="0">
+                <a:ea typeface="Verdana" panose="020B0604030504040204" pitchFamily="34" charset="0"/>
+              </a:rPr>
+              <a:t> O comerciante, então, perde o valor devolvido ao golpista, ficando no prejuízo.</a:t>
+            </a:r>
+          </a:p>
+        </p:txBody>
+      </p:sp>
+    </p:spTree>
+    <p:extLst>
+      <p:ext uri="{BB962C8B-B14F-4D97-AF65-F5344CB8AC3E}">
+        <p14:creationId xmlns:p14="http://schemas.microsoft.com/office/powerpoint/2010/main" val="3788493460"/>
+      </p:ext>
+    </p:extLst>
+  </p:cSld>
+  <p:clrMapOvr>
+    <a:masterClrMapping/>
+  </p:clrMapOvr>
+</p:sld>
+</file>
+
+<file path=ppt/slides/slide6.xml><?xml version="1.0" encoding="utf-8"?>
+<p:sld xmlns:a="http://schemas.openxmlformats.org/drawingml/2006/main" xmlns:r="http://schemas.openxmlformats.org/officeDocument/2006/relationships" xmlns:p="http://schemas.openxmlformats.org/presentationml/2006/main">
+  <p:cSld>
+    <p:spTree>
+      <p:nvGrpSpPr>
+        <p:cNvPr id="1" name=""/>
+        <p:cNvGrpSpPr/>
+        <p:nvPr/>
+      </p:nvGrpSpPr>
+      <p:grpSpPr>
+        <a:xfrm>
+          <a:off x="0" y="0"/>
+          <a:ext cx="0" cy="0"/>
+          <a:chOff x="0" y="0"/>
+          <a:chExt cx="0" cy="0"/>
+        </a:xfrm>
+      </p:grpSpPr>
+      <p:sp>
+        <p:nvSpPr>
+          <p:cNvPr id="4" name="CaixaDeTexto 3">
+            <a:extLst>
+              <a:ext uri="{FF2B5EF4-FFF2-40B4-BE49-F238E27FC236}">
+                <a16:creationId xmlns:a16="http://schemas.microsoft.com/office/drawing/2014/main" id="{021C9B79-C75D-4ED6-A71A-7B16788123A2}"/>
+              </a:ext>
+            </a:extLst>
+          </p:cNvPr>
+          <p:cNvSpPr txBox="1"/>
+          <p:nvPr/>
+        </p:nvSpPr>
+        <p:spPr>
+          <a:xfrm>
+            <a:off x="555171" y="797064"/>
+            <a:ext cx="8490857" cy="7848302"/>
+          </a:xfrm>
+          <a:prstGeom prst="rect">
+            <a:avLst/>
+          </a:prstGeom>
+          <a:noFill/>
+        </p:spPr>
+        <p:txBody>
+          <a:bodyPr wrap="square" rtlCol="0">
+            <a:spAutoFit/>
+          </a:bodyPr>
+          <a:lstStyle/>
+          <a:p>
+            <a:r>
+              <a:rPr lang="pt-BR" sz="2400" dirty="0">
+                <a:ea typeface="Verdana" panose="020B0604030504040204" pitchFamily="34" charset="0"/>
+              </a:rPr>
+              <a:t>Principais Sinais de Alerta:</a:t>
+            </a:r>
+          </a:p>
+          <a:p>
+            <a:endParaRPr lang="pt-BR" sz="2400" dirty="0">
+              <a:ea typeface="Verdana" panose="020B0604030504040204" pitchFamily="34" charset="0"/>
+            </a:endParaRPr>
+          </a:p>
+          <a:p>
+            <a:r>
+              <a:rPr lang="pt-BR" sz="2400" dirty="0">
+                <a:ea typeface="Verdana" panose="020B0604030504040204" pitchFamily="34" charset="0"/>
+              </a:rPr>
+              <a:t>Para evitar cair nesse golpe, fique atento a estes sinais de alerta:</a:t>
+            </a:r>
+          </a:p>
+          <a:p>
+            <a:endParaRPr lang="pt-BR" sz="2400" dirty="0">
+              <a:ea typeface="Verdana" panose="020B0604030504040204" pitchFamily="34" charset="0"/>
+            </a:endParaRPr>
+          </a:p>
+          <a:p>
+            <a:endParaRPr lang="pt-BR" sz="2400" dirty="0">
+              <a:ea typeface="Verdana" panose="020B0604030504040204" pitchFamily="34" charset="0"/>
+            </a:endParaRPr>
+          </a:p>
+          <a:p>
+            <a:pPr marL="342900" indent="-342900">
+              <a:buFont typeface="Arial" panose="020B0604020202020204" pitchFamily="34" charset="0"/>
+              <a:buChar char="•"/>
+            </a:pPr>
+            <a:r>
+              <a:rPr lang="pt-BR" sz="2400" dirty="0">
+                <a:ea typeface="Verdana" panose="020B0604030504040204" pitchFamily="34" charset="0"/>
+              </a:rPr>
+              <a:t>Pedido para Transferência a uma Nova Chave Pix:  Desconfie sempre de solicitações de devolução de valores para uma chave Pix diferente da original. Quando há um erro de transferência genuíno, a pessoa tende a solicitar o estorno para a mesma chave usada inicialmente.</a:t>
+            </a:r>
+          </a:p>
+          <a:p>
+            <a:pPr marL="342900" indent="-342900">
+              <a:buFont typeface="Arial" panose="020B0604020202020204" pitchFamily="34" charset="0"/>
+              <a:buChar char="•"/>
+            </a:pPr>
+            <a:endParaRPr lang="pt-BR" sz="2400" dirty="0">
+              <a:ea typeface="Verdana" panose="020B0604030504040204" pitchFamily="34" charset="0"/>
+            </a:endParaRPr>
+          </a:p>
+          <a:p>
+            <a:pPr marL="342900" indent="-342900">
+              <a:buFont typeface="Arial" panose="020B0604020202020204" pitchFamily="34" charset="0"/>
+              <a:buChar char="•"/>
+            </a:pPr>
+            <a:r>
+              <a:rPr lang="pt-BR" sz="2400" dirty="0">
+                <a:ea typeface="Verdana" panose="020B0604030504040204" pitchFamily="34" charset="0"/>
+              </a:rPr>
+              <a:t>Insistência na Urgência: O golpista geralmente apela para a pressa e cria um senso de urgência. Afirmações como “preciso desse dinheiro agora” ou “foi um erro grave” são formas de pressionar a vítima a agir sem verificar os detalhes.</a:t>
+            </a:r>
+          </a:p>
+          <a:p>
+            <a:pPr marL="342900" indent="-342900">
+              <a:buFont typeface="Arial" panose="020B0604020202020204" pitchFamily="34" charset="0"/>
+              <a:buChar char="•"/>
+            </a:pPr>
+            <a:endParaRPr lang="pt-BR" sz="2400" dirty="0">
+              <a:ea typeface="Verdana" panose="020B0604030504040204" pitchFamily="34" charset="0"/>
+            </a:endParaRPr>
+          </a:p>
+          <a:p>
+            <a:pPr marL="342900" indent="-342900">
+              <a:buFont typeface="Arial" panose="020B0604020202020204" pitchFamily="34" charset="0"/>
+              <a:buChar char="•"/>
+            </a:pPr>
+            <a:r>
+              <a:rPr lang="pt-BR" sz="2400" dirty="0">
+                <a:ea typeface="Verdana" panose="020B0604030504040204" pitchFamily="34" charset="0"/>
+              </a:rPr>
+              <a:t>História Convoluta: Se a história for longa e complicada, com explicações confusas sobre o motivo do erro, aumente a desconfiança. Golpistas costumam inventar desculpas elaboradas para convencer a vítima a ignorar o protocolo e agir rapidamente.</a:t>
+            </a:r>
+          </a:p>
+        </p:txBody>
+      </p:sp>
+    </p:spTree>
+    <p:extLst>
+      <p:ext uri="{BB962C8B-B14F-4D97-AF65-F5344CB8AC3E}">
+        <p14:creationId xmlns:p14="http://schemas.microsoft.com/office/powerpoint/2010/main" val="898526342"/>
+      </p:ext>
+    </p:extLst>
+  </p:cSld>
+  <p:clrMapOvr>
+    <a:masterClrMapping/>
+  </p:clrMapOvr>
+</p:sld>
+</file>
+
+<file path=ppt/slides/slide7.xml><?xml version="1.0" encoding="utf-8"?>
+<p:sld xmlns:a="http://schemas.openxmlformats.org/drawingml/2006/main" xmlns:r="http://schemas.openxmlformats.org/officeDocument/2006/relationships" xmlns:p="http://schemas.openxmlformats.org/presentationml/2006/main">
+  <p:cSld>
+    <p:spTree>
+      <p:nvGrpSpPr>
+        <p:cNvPr id="1" name=""/>
+        <p:cNvGrpSpPr/>
+        <p:nvPr/>
+      </p:nvGrpSpPr>
+      <p:grpSpPr>
+        <a:xfrm>
+          <a:off x="0" y="0"/>
+          <a:ext cx="0" cy="0"/>
+          <a:chOff x="0" y="0"/>
+          <a:chExt cx="0" cy="0"/>
+        </a:xfrm>
+      </p:grpSpPr>
+      <p:sp>
+        <p:nvSpPr>
+          <p:cNvPr id="4" name="CaixaDeTexto 3">
+            <a:extLst>
+              <a:ext uri="{FF2B5EF4-FFF2-40B4-BE49-F238E27FC236}">
+                <a16:creationId xmlns:a16="http://schemas.microsoft.com/office/drawing/2014/main" id="{3634184D-0EC7-4EDF-AADA-41751AFE924C}"/>
+              </a:ext>
+            </a:extLst>
+          </p:cNvPr>
+          <p:cNvSpPr txBox="1"/>
+          <p:nvPr/>
+        </p:nvSpPr>
+        <p:spPr>
+          <a:xfrm>
+            <a:off x="287383" y="561933"/>
+            <a:ext cx="8490857" cy="7478970"/>
+          </a:xfrm>
+          <a:prstGeom prst="rect">
+            <a:avLst/>
+          </a:prstGeom>
+          <a:noFill/>
+        </p:spPr>
+        <p:txBody>
+          <a:bodyPr wrap="square" rtlCol="0">
+            <a:spAutoFit/>
+          </a:bodyPr>
+          <a:lstStyle/>
+          <a:p>
+            <a:r>
+              <a:rPr lang="pt-BR" sz="2400" dirty="0">
+                <a:ea typeface="Verdana" panose="020B0604030504040204" pitchFamily="34" charset="0"/>
+              </a:rPr>
+              <a:t>Dicas de Prevenção para Comerciantes</a:t>
+            </a:r>
+          </a:p>
+          <a:p>
+            <a:endParaRPr lang="pt-BR" sz="2400" dirty="0">
+              <a:ea typeface="Verdana" panose="020B0604030504040204" pitchFamily="34" charset="0"/>
+            </a:endParaRPr>
+          </a:p>
+          <a:p>
+            <a:pPr marL="342900" indent="-342900">
+              <a:buFont typeface="Arial" panose="020B0604020202020204" pitchFamily="34" charset="0"/>
+              <a:buChar char="•"/>
+            </a:pPr>
+            <a:r>
+              <a:rPr lang="pt-BR" sz="2400" dirty="0">
+                <a:ea typeface="Verdana" panose="020B0604030504040204" pitchFamily="34" charset="0"/>
+              </a:rPr>
+              <a:t>Dica #1: Confirme a Autenticidade da Transação:           Explicação: Nunca devolva o dinheiro para </a:t>
+            </a:r>
+            <a:r>
+              <a:rPr lang="pt-BR" sz="2400" b="1" dirty="0">
+                <a:highlight>
+                  <a:srgbClr val="FFFF00"/>
+                </a:highlight>
+                <a:ea typeface="Verdana" panose="020B0604030504040204" pitchFamily="34" charset="0"/>
+              </a:rPr>
+              <a:t>uma chave Pix diferente da usada na transação original.</a:t>
+            </a:r>
+            <a:r>
+              <a:rPr lang="pt-BR" sz="2400" dirty="0">
+                <a:ea typeface="Verdana" panose="020B0604030504040204" pitchFamily="34" charset="0"/>
+              </a:rPr>
+              <a:t> Se o pedido de devolução for legítimo, ele deve ser feito para a mesma chave.</a:t>
+            </a:r>
+          </a:p>
+          <a:p>
+            <a:pPr marL="342900" indent="-342900">
+              <a:buFont typeface="Arial" panose="020B0604020202020204" pitchFamily="34" charset="0"/>
+              <a:buChar char="•"/>
+            </a:pPr>
+            <a:endParaRPr lang="pt-BR" sz="2400" dirty="0">
+              <a:ea typeface="Verdana" panose="020B0604030504040204" pitchFamily="34" charset="0"/>
+            </a:endParaRPr>
+          </a:p>
+          <a:p>
+            <a:pPr marL="342900" indent="-342900">
+              <a:buFont typeface="Arial" panose="020B0604020202020204" pitchFamily="34" charset="0"/>
+              <a:buChar char="•"/>
+            </a:pPr>
+            <a:r>
+              <a:rPr lang="pt-BR" sz="2400" dirty="0">
+                <a:ea typeface="Verdana" panose="020B0604030504040204" pitchFamily="34" charset="0"/>
+              </a:rPr>
+              <a:t>Dica #2: Espere a Conclusão do Período de Compensação Explicação: Se você receber um pedido de devolução</a:t>
+            </a:r>
+            <a:r>
+              <a:rPr lang="pt-BR" sz="2400" dirty="0">
+                <a:highlight>
+                  <a:srgbClr val="FFFF00"/>
+                </a:highlight>
+                <a:ea typeface="Verdana" panose="020B0604030504040204" pitchFamily="34" charset="0"/>
+              </a:rPr>
+              <a:t>, aguarde um pouco antes de realizar a transação,</a:t>
+            </a:r>
+            <a:r>
+              <a:rPr lang="pt-BR" sz="2400" dirty="0">
+                <a:ea typeface="Verdana" panose="020B0604030504040204" pitchFamily="34" charset="0"/>
+              </a:rPr>
+              <a:t> mesmo que o valor esteja disponível na conta. Bancos têm mecanismos de verificação e, ao aguardar, você reduz as chances de cair em um golpe.</a:t>
+            </a:r>
+          </a:p>
+          <a:p>
+            <a:pPr marL="342900" indent="-342900">
+              <a:buFont typeface="Arial" panose="020B0604020202020204" pitchFamily="34" charset="0"/>
+              <a:buChar char="•"/>
+            </a:pPr>
+            <a:endParaRPr lang="pt-BR" sz="2400" dirty="0">
+              <a:ea typeface="Verdana" panose="020B0604030504040204" pitchFamily="34" charset="0"/>
+            </a:endParaRPr>
+          </a:p>
+          <a:p>
+            <a:pPr marL="342900" indent="-342900">
+              <a:buFont typeface="Arial" panose="020B0604020202020204" pitchFamily="34" charset="0"/>
+              <a:buChar char="•"/>
+            </a:pPr>
+            <a:r>
+              <a:rPr lang="pt-BR" sz="2400" dirty="0">
+                <a:ea typeface="Verdana" panose="020B0604030504040204" pitchFamily="34" charset="0"/>
+              </a:rPr>
+              <a:t>Dica #3: Questione e Verifique o Contexto:                     Explicação: Em situações suspeitas, </a:t>
+            </a:r>
+            <a:r>
+              <a:rPr lang="pt-BR" sz="2400" dirty="0">
+                <a:highlight>
+                  <a:srgbClr val="FFFF00"/>
+                </a:highlight>
+                <a:ea typeface="Verdana" panose="020B0604030504040204" pitchFamily="34" charset="0"/>
+              </a:rPr>
+              <a:t>entre em contato diretamente com o banco.</a:t>
+            </a:r>
+            <a:r>
+              <a:rPr lang="pt-BR" sz="2400" dirty="0">
+                <a:ea typeface="Verdana" panose="020B0604030504040204" pitchFamily="34" charset="0"/>
+              </a:rPr>
+              <a:t> Explique a situação e pergunte sobre o processo de devolução. Bancos geralmente fornecem orientações sobre como agir em casos de erro de transferência, o que ajuda a evitar golpes.</a:t>
+            </a:r>
+          </a:p>
+        </p:txBody>
+      </p:sp>
+    </p:spTree>
+    <p:extLst>
+      <p:ext uri="{BB962C8B-B14F-4D97-AF65-F5344CB8AC3E}">
+        <p14:creationId xmlns:p14="http://schemas.microsoft.com/office/powerpoint/2010/main" val="1573633610"/>
+      </p:ext>
+    </p:extLst>
+  </p:cSld>
+  <p:clrMapOvr>
+    <a:masterClrMapping/>
+  </p:clrMapOvr>
+</p:sld>
+</file>
+
+<file path=ppt/slides/slide8.xml><?xml version="1.0" encoding="utf-8"?>
+<p:sld xmlns:a="http://schemas.openxmlformats.org/drawingml/2006/main" xmlns:r="http://schemas.openxmlformats.org/officeDocument/2006/relationships" xmlns:p="http://schemas.openxmlformats.org/presentationml/2006/main">
+  <p:cSld>
+    <p:spTree>
+      <p:nvGrpSpPr>
+        <p:cNvPr id="1" name=""/>
+        <p:cNvGrpSpPr/>
+        <p:nvPr/>
+      </p:nvGrpSpPr>
+      <p:grpSpPr>
+        <a:xfrm>
+          <a:off x="0" y="0"/>
+          <a:ext cx="0" cy="0"/>
+          <a:chOff x="0" y="0"/>
+          <a:chExt cx="0" cy="0"/>
+        </a:xfrm>
+      </p:grpSpPr>
+      <p:sp>
+        <p:nvSpPr>
+          <p:cNvPr id="4" name="CaixaDeTexto 3">
+            <a:extLst>
+              <a:ext uri="{FF2B5EF4-FFF2-40B4-BE49-F238E27FC236}">
+                <a16:creationId xmlns:a16="http://schemas.microsoft.com/office/drawing/2014/main" id="{86090AE8-1E78-4534-9386-06953115E6CF}"/>
+              </a:ext>
+            </a:extLst>
+          </p:cNvPr>
+          <p:cNvSpPr txBox="1"/>
+          <p:nvPr/>
+        </p:nvSpPr>
+        <p:spPr>
+          <a:xfrm>
+            <a:off x="555171" y="445323"/>
+            <a:ext cx="8490857" cy="12280285"/>
+          </a:xfrm>
+          <a:prstGeom prst="rect">
+            <a:avLst/>
+          </a:prstGeom>
+          <a:noFill/>
+        </p:spPr>
+        <p:txBody>
+          <a:bodyPr wrap="square" rtlCol="0">
+            <a:spAutoFit/>
+          </a:bodyPr>
+          <a:lstStyle/>
+          <a:p>
+            <a:r>
+              <a:rPr lang="pt-BR" sz="2400" dirty="0">
+                <a:ea typeface="Verdana" panose="020B0604030504040204" pitchFamily="34" charset="0"/>
+              </a:rPr>
+              <a:t>Sugestão de Conversa com um Cliente Suspeito:</a:t>
+            </a:r>
+          </a:p>
+          <a:p>
+            <a:endParaRPr lang="pt-BR" sz="2400" dirty="0">
+              <a:ea typeface="Verdana" panose="020B0604030504040204" pitchFamily="34" charset="0"/>
+            </a:endParaRPr>
+          </a:p>
+          <a:p>
+            <a:r>
+              <a:rPr lang="pt-BR" sz="2400" dirty="0">
+                <a:ea typeface="Verdana" panose="020B0604030504040204" pitchFamily="34" charset="0"/>
+              </a:rPr>
+              <a:t>Aqui está um exemplo de como responder a um pedido de devolução suspeito:</a:t>
+            </a:r>
+          </a:p>
+          <a:p>
+            <a:endParaRPr lang="pt-BR" sz="2400" dirty="0">
+              <a:ea typeface="Verdana" panose="020B0604030504040204" pitchFamily="34" charset="0"/>
+            </a:endParaRPr>
+          </a:p>
+          <a:p>
+            <a:r>
+              <a:rPr lang="pt-BR" sz="2400" dirty="0">
+                <a:highlight>
+                  <a:srgbClr val="FFFF00"/>
+                </a:highlight>
+                <a:ea typeface="Verdana" panose="020B0604030504040204" pitchFamily="34" charset="0"/>
+              </a:rPr>
+              <a:t>Cliente: </a:t>
+            </a:r>
+            <a:r>
+              <a:rPr lang="pt-BR" sz="2400" dirty="0">
+                <a:ea typeface="Verdana" panose="020B0604030504040204" pitchFamily="34" charset="0"/>
+              </a:rPr>
+              <a:t>"Oi, boa tarde! Acabei de perceber que enviei R$2.500 para a sua conta por engano. Poderia, por favor, devolver para essa chave aqui? </a:t>
+            </a:r>
+          </a:p>
+          <a:p>
+            <a:endParaRPr lang="pt-BR" sz="2400" dirty="0">
+              <a:ea typeface="Verdana" panose="020B0604030504040204" pitchFamily="34" charset="0"/>
+            </a:endParaRPr>
+          </a:p>
+          <a:p>
+            <a:pPr lvl="1"/>
+            <a:r>
+              <a:rPr lang="pt-BR" sz="2400" dirty="0">
+                <a:ea typeface="Verdana" panose="020B0604030504040204" pitchFamily="34" charset="0"/>
+              </a:rPr>
+              <a:t>A chave é para nome </a:t>
+            </a:r>
+            <a:r>
+              <a:rPr lang="pt-BR" sz="2400" dirty="0" err="1">
+                <a:ea typeface="Verdana" panose="020B0604030504040204" pitchFamily="34" charset="0"/>
+              </a:rPr>
+              <a:t>xxxx</a:t>
+            </a:r>
+            <a:r>
+              <a:rPr lang="pt-BR" sz="2400" dirty="0">
+                <a:ea typeface="Verdana" panose="020B0604030504040204" pitchFamily="34" charset="0"/>
+              </a:rPr>
+              <a:t> – golpista não deixa claro que é titularidade diferente da que enviou antecipadamente, conta com a distração do comerciante pra sucesso do golpe. Embora o dinheiro entre de fato na conta do comerciante, golpista acredita que irá recuperar pelo mecanismo especial do banco central.</a:t>
+            </a:r>
+          </a:p>
+          <a:p>
+            <a:endParaRPr lang="pt-BR" sz="2400" dirty="0">
+              <a:ea typeface="Verdana" panose="020B0604030504040204" pitchFamily="34" charset="0"/>
+            </a:endParaRPr>
+          </a:p>
+          <a:p>
+            <a:r>
+              <a:rPr lang="pt-BR" sz="2400" dirty="0">
+                <a:highlight>
+                  <a:srgbClr val="FFFF00"/>
+                </a:highlight>
+                <a:ea typeface="Verdana" panose="020B0604030504040204" pitchFamily="34" charset="0"/>
+              </a:rPr>
+              <a:t>Comerciante: </a:t>
+            </a:r>
+            <a:r>
+              <a:rPr lang="pt-BR" sz="2400" dirty="0">
+                <a:ea typeface="Verdana" panose="020B0604030504040204" pitchFamily="34" charset="0"/>
+              </a:rPr>
+              <a:t>"Entendo. Para garantir a segurança, preciso devolver o valor para a mesma chave Pix usada na transferência original. Essa é a política da nossa empresa.</a:t>
+            </a:r>
+          </a:p>
+          <a:p>
+            <a:endParaRPr lang="pt-BR" sz="2400" dirty="0">
+              <a:ea typeface="Verdana" panose="020B0604030504040204" pitchFamily="34" charset="0"/>
+            </a:endParaRPr>
+          </a:p>
+          <a:p>
+            <a:r>
+              <a:rPr lang="pt-BR" sz="2400" dirty="0">
+                <a:ea typeface="Verdana" panose="020B0604030504040204" pitchFamily="34" charset="0"/>
+              </a:rPr>
+              <a:t>"</a:t>
+            </a:r>
+            <a:r>
+              <a:rPr lang="pt-BR" sz="2400" dirty="0">
+                <a:highlight>
+                  <a:srgbClr val="FFFF00"/>
+                </a:highlight>
+                <a:ea typeface="Verdana" panose="020B0604030504040204" pitchFamily="34" charset="0"/>
+              </a:rPr>
+              <a:t>Cliente: </a:t>
+            </a:r>
+            <a:r>
+              <a:rPr lang="pt-BR" sz="2400" dirty="0">
+                <a:ea typeface="Verdana" panose="020B0604030504040204" pitchFamily="34" charset="0"/>
+              </a:rPr>
+              <a:t>"Não, por favor, use essa outra chave! É uma emergência, e a chave que usei não é a minha.</a:t>
+            </a:r>
+          </a:p>
+          <a:p>
+            <a:endParaRPr lang="pt-BR" sz="2400" dirty="0">
+              <a:ea typeface="Verdana" panose="020B0604030504040204" pitchFamily="34" charset="0"/>
+            </a:endParaRPr>
+          </a:p>
+          <a:p>
+            <a:r>
+              <a:rPr lang="pt-BR" sz="2400" dirty="0">
+                <a:ea typeface="Verdana" panose="020B0604030504040204" pitchFamily="34" charset="0"/>
+              </a:rPr>
+              <a:t>"</a:t>
+            </a:r>
+            <a:r>
+              <a:rPr lang="pt-BR" sz="2400" dirty="0">
+                <a:highlight>
+                  <a:srgbClr val="FFFF00"/>
+                </a:highlight>
+                <a:ea typeface="Verdana" panose="020B0604030504040204" pitchFamily="34" charset="0"/>
+              </a:rPr>
+              <a:t>Comerciante</a:t>
+            </a:r>
+            <a:r>
+              <a:rPr lang="pt-BR" sz="2400" dirty="0">
+                <a:ea typeface="Verdana" panose="020B0604030504040204" pitchFamily="34" charset="0"/>
+              </a:rPr>
+              <a:t>: "Infelizmente, não posso realizar a transferência para uma chave diferente. Vou consultar o banco para verificar como proceder e retorno com você.</a:t>
+            </a:r>
+          </a:p>
+          <a:p>
+            <a:endParaRPr lang="pt-BR" sz="2400" dirty="0">
+              <a:ea typeface="Verdana" panose="020B0604030504040204" pitchFamily="34" charset="0"/>
+            </a:endParaRPr>
+          </a:p>
+          <a:p>
+            <a:r>
+              <a:rPr lang="pt-BR" sz="2400" dirty="0">
+                <a:ea typeface="Verdana" panose="020B0604030504040204" pitchFamily="34" charset="0"/>
+              </a:rPr>
+              <a:t>"</a:t>
+            </a:r>
+            <a:r>
+              <a:rPr lang="pt-BR" sz="2400" dirty="0">
+                <a:highlight>
+                  <a:srgbClr val="FFFF00"/>
+                </a:highlight>
+                <a:ea typeface="Verdana" panose="020B0604030504040204" pitchFamily="34" charset="0"/>
+              </a:rPr>
+              <a:t>Cliente</a:t>
+            </a:r>
+            <a:r>
+              <a:rPr lang="pt-BR" sz="2400" dirty="0">
+                <a:ea typeface="Verdana" panose="020B0604030504040204" pitchFamily="34" charset="0"/>
+              </a:rPr>
+              <a:t>: (Insistindo) "Por favor, é urgente! Não posso esperar.</a:t>
+            </a:r>
+          </a:p>
+          <a:p>
+            <a:endParaRPr lang="pt-BR" sz="2400" dirty="0">
+              <a:ea typeface="Verdana" panose="020B0604030504040204" pitchFamily="34" charset="0"/>
+            </a:endParaRPr>
+          </a:p>
+          <a:p>
+            <a:r>
+              <a:rPr lang="pt-BR" sz="2400" dirty="0">
+                <a:ea typeface="Verdana" panose="020B0604030504040204" pitchFamily="34" charset="0"/>
+              </a:rPr>
+              <a:t>"</a:t>
+            </a:r>
+            <a:r>
+              <a:rPr lang="pt-BR" sz="2400" dirty="0">
+                <a:highlight>
+                  <a:srgbClr val="FFFF00"/>
+                </a:highlight>
+                <a:ea typeface="Verdana" panose="020B0604030504040204" pitchFamily="34" charset="0"/>
+              </a:rPr>
+              <a:t>Comerciante</a:t>
+            </a:r>
+            <a:r>
+              <a:rPr lang="pt-BR" sz="2400" dirty="0">
+                <a:ea typeface="Verdana" panose="020B0604030504040204" pitchFamily="34" charset="0"/>
+              </a:rPr>
+              <a:t>: "Peço desculpas, mas nosso procedimento exige que verifiquemos com o banco. Vou fazer isso agora e entro em contato novamente.</a:t>
+            </a:r>
+          </a:p>
+          <a:p>
+            <a:endParaRPr lang="pt-BR" sz="2400" dirty="0">
+              <a:ea typeface="Verdana" panose="020B0604030504040204" pitchFamily="34" charset="0"/>
+            </a:endParaRPr>
+          </a:p>
+        </p:txBody>
+      </p:sp>
+    </p:spTree>
+    <p:extLst>
+      <p:ext uri="{BB962C8B-B14F-4D97-AF65-F5344CB8AC3E}">
+        <p14:creationId xmlns:p14="http://schemas.microsoft.com/office/powerpoint/2010/main" val="3218200588"/>
       </p:ext>
     </p:extLst>
   </p:cSld>

--- a/e-book.pptx
+++ b/e-book.pptx
@@ -13,6 +13,11 @@
     <p:sldId id="262" r:id="rId7"/>
     <p:sldId id="263" r:id="rId8"/>
     <p:sldId id="264" r:id="rId9"/>
+    <p:sldId id="265" r:id="rId10"/>
+    <p:sldId id="266" r:id="rId11"/>
+    <p:sldId id="267" r:id="rId12"/>
+    <p:sldId id="268" r:id="rId13"/>
+    <p:sldId id="269" r:id="rId14"/>
   </p:sldIdLst>
   <p:sldSz cx="9601200" cy="12801600" type="A3"/>
   <p:notesSz cx="6858000" cy="9144000"/>
@@ -3369,7 +3374,7 @@
 </p:sld>
 </file>
 
-<file path=ppt/slides/slide2.xml><?xml version="1.0" encoding="utf-8"?>
+<file path=ppt/slides/slide10.xml><?xml version="1.0" encoding="utf-8"?>
 <p:sld xmlns:a="http://schemas.openxmlformats.org/drawingml/2006/main" xmlns:r="http://schemas.openxmlformats.org/officeDocument/2006/relationships" xmlns:p="http://schemas.openxmlformats.org/presentationml/2006/main">
   <p:cSld>
     <p:spTree>
@@ -3388,10 +3393,10 @@
       </p:grpSpPr>
       <p:sp>
         <p:nvSpPr>
-          <p:cNvPr id="6" name="CaixaDeTexto 5">
+          <p:cNvPr id="4" name="CaixaDeTexto 3">
             <a:extLst>
               <a:ext uri="{FF2B5EF4-FFF2-40B4-BE49-F238E27FC236}">
-                <a16:creationId xmlns:a16="http://schemas.microsoft.com/office/drawing/2014/main" id="{77730364-990F-48E5-97E7-881174E8796B}"/>
+                <a16:creationId xmlns:a16="http://schemas.microsoft.com/office/drawing/2014/main" id="{5A053486-F396-4096-AC2A-A4DD22D02FB9}"/>
               </a:ext>
             </a:extLst>
           </p:cNvPr>
@@ -3400,8 +3405,8 @@
         </p:nvSpPr>
         <p:spPr>
           <a:xfrm>
-            <a:off x="731520" y="3723144"/>
-            <a:ext cx="8490857" cy="2308324"/>
+            <a:off x="940526" y="731520"/>
+            <a:ext cx="7236823" cy="1323439"/>
           </a:xfrm>
           <a:prstGeom prst="rect">
             <a:avLst/>
@@ -3415,30 +3420,21 @@
           <a:lstStyle/>
           <a:p>
             <a:r>
-              <a:rPr lang="pt-BR" sz="2400" dirty="0">
-                <a:ea typeface="Verdana" panose="020B0604030504040204" pitchFamily="34" charset="0"/>
-              </a:rPr>
-              <a:t>Lorem ipsum dolor sit amet, consectetuer adipiscing elit. Maecenas porttitor congue massa. Fusce posuere, magna sed pulvinar ultricies, purus lectus malesuada libero, sit amet commodo magna eros quis urna.</a:t>
-            </a:r>
-          </a:p>
-          <a:p>
-            <a:endParaRPr lang="pt-BR" sz="2400" dirty="0">
-              <a:ea typeface="Verdana" panose="020B0604030504040204" pitchFamily="34" charset="0"/>
-            </a:endParaRPr>
-          </a:p>
-          <a:p>
-            <a:endParaRPr lang="pt-BR" sz="2400" dirty="0">
-              <a:ea typeface="Verdana" panose="020B0604030504040204" pitchFamily="34" charset="0"/>
-            </a:endParaRPr>
-          </a:p>
-        </p:txBody>
-      </p:sp>
-      <p:sp>
-        <p:nvSpPr>
-          <p:cNvPr id="7" name="CaixaDeTexto 6">
+              <a:rPr lang="pt-BR" sz="4000" dirty="0">
+                <a:latin typeface="Impact" panose="020B0806030902050204" pitchFamily="34" charset="0"/>
+                <a:ea typeface="Verdana" panose="020B0604030504040204" pitchFamily="34" charset="0"/>
+              </a:rPr>
+              <a:t>Capitulo 2:  Golpe da falsa central de atendimento </a:t>
+            </a:r>
+          </a:p>
+        </p:txBody>
+      </p:sp>
+      <p:sp>
+        <p:nvSpPr>
+          <p:cNvPr id="5" name="CaixaDeTexto 4">
             <a:extLst>
               <a:ext uri="{FF2B5EF4-FFF2-40B4-BE49-F238E27FC236}">
-                <a16:creationId xmlns:a16="http://schemas.microsoft.com/office/drawing/2014/main" id="{FCD85300-2354-498C-9395-9D1BAF9EBAFC}"/>
+                <a16:creationId xmlns:a16="http://schemas.microsoft.com/office/drawing/2014/main" id="{FF7BBE7D-98CF-4A85-A7A4-79A2F1908FE3}"/>
               </a:ext>
             </a:extLst>
           </p:cNvPr>
@@ -3447,8 +3443,8 @@
         </p:nvSpPr>
         <p:spPr>
           <a:xfrm>
-            <a:off x="940526" y="731520"/>
-            <a:ext cx="7236823" cy="707886"/>
+            <a:off x="940526" y="2054959"/>
+            <a:ext cx="7994468" cy="1077218"/>
           </a:xfrm>
           <a:prstGeom prst="rect">
             <a:avLst/>
@@ -3462,21 +3458,21 @@
           <a:lstStyle/>
           <a:p>
             <a:r>
-              <a:rPr lang="pt-BR" sz="4000" dirty="0">
-                <a:latin typeface="Impact" panose="020B0806030902050204" pitchFamily="34" charset="0"/>
-                <a:ea typeface="Verdana" panose="020B0604030504040204" pitchFamily="34" charset="0"/>
-              </a:rPr>
-              <a:t>Lorem ipsum dolor sit amet, </a:t>
-            </a:r>
-          </a:p>
-        </p:txBody>
-      </p:sp>
-      <p:sp>
-        <p:nvSpPr>
-          <p:cNvPr id="8" name="CaixaDeTexto 7">
+              <a:rPr lang="pt-BR" sz="3200" dirty="0">
+                <a:latin typeface="+mj-lt"/>
+                <a:ea typeface="Verdana" panose="020B0604030504040204" pitchFamily="34" charset="0"/>
+              </a:rPr>
+              <a:t>Como Identificar e Evitar o Golpe do Falso Atendimento ao Cliente</a:t>
+            </a:r>
+          </a:p>
+        </p:txBody>
+      </p:sp>
+      <p:sp>
+        <p:nvSpPr>
+          <p:cNvPr id="6" name="CaixaDeTexto 5">
             <a:extLst>
               <a:ext uri="{FF2B5EF4-FFF2-40B4-BE49-F238E27FC236}">
-                <a16:creationId xmlns:a16="http://schemas.microsoft.com/office/drawing/2014/main" id="{E1CD2C4C-1494-48FB-A264-87ACE414EAA3}"/>
+                <a16:creationId xmlns:a16="http://schemas.microsoft.com/office/drawing/2014/main" id="{3CCD7E86-69B8-4B5E-9061-AA0813984B09}"/>
               </a:ext>
             </a:extLst>
           </p:cNvPr>
@@ -3485,8 +3481,8 @@
         </p:nvSpPr>
         <p:spPr>
           <a:xfrm>
-            <a:off x="940525" y="2061605"/>
-            <a:ext cx="5930537" cy="584775"/>
+            <a:off x="940526" y="3378398"/>
+            <a:ext cx="8490857" cy="7109639"/>
           </a:xfrm>
           <a:prstGeom prst="rect">
             <a:avLst/>
@@ -3500,11 +3496,62 @@
           <a:lstStyle/>
           <a:p>
             <a:r>
-              <a:rPr lang="pt-BR" sz="3200" dirty="0">
-                <a:latin typeface="+mj-lt"/>
-                <a:ea typeface="Verdana" panose="020B0604030504040204" pitchFamily="34" charset="0"/>
-              </a:rPr>
-              <a:t>Lorem ipsum dolor sit amet, </a:t>
+              <a:rPr lang="pt-BR" sz="2400" u="sng" dirty="0">
+                <a:ea typeface="Verdana" panose="020B0604030504040204" pitchFamily="34" charset="0"/>
+              </a:rPr>
+              <a:t>Introdução ao Golpe do Falso Atendimento ao Cliente:</a:t>
+            </a:r>
+          </a:p>
+          <a:p>
+            <a:endParaRPr lang="pt-BR" sz="2400" dirty="0">
+              <a:ea typeface="Verdana" panose="020B0604030504040204" pitchFamily="34" charset="0"/>
+            </a:endParaRPr>
+          </a:p>
+          <a:p>
+            <a:r>
+              <a:rPr lang="pt-BR" sz="2400" dirty="0">
+                <a:ea typeface="Verdana" panose="020B0604030504040204" pitchFamily="34" charset="0"/>
+              </a:rPr>
+              <a:t>O golpe do falso atendimento ao cliente ocorre quando o fraudador entra em contato com a vítima se passando por um funcionário de um banco ou empresa com a qual a pessoa tem relacionamento ativo. </a:t>
+            </a:r>
+          </a:p>
+          <a:p>
+            <a:endParaRPr lang="pt-BR" sz="2400" dirty="0">
+              <a:ea typeface="Verdana" panose="020B0604030504040204" pitchFamily="34" charset="0"/>
+            </a:endParaRPr>
+          </a:p>
+          <a:p>
+            <a:r>
+              <a:rPr lang="pt-BR" sz="2400" dirty="0">
+                <a:ea typeface="Verdana" panose="020B0604030504040204" pitchFamily="34" charset="0"/>
+              </a:rPr>
+              <a:t>O criminoso informa que a conta da vítima foi invadida, clonada ou que ocorreu algum problema sério, o que gera uma sensação de urgência e preocupação. </a:t>
+            </a:r>
+          </a:p>
+          <a:p>
+            <a:endParaRPr lang="pt-BR" sz="2400" dirty="0">
+              <a:ea typeface="Verdana" panose="020B0604030504040204" pitchFamily="34" charset="0"/>
+            </a:endParaRPr>
+          </a:p>
+          <a:p>
+            <a:r>
+              <a:rPr lang="pt-BR" sz="2400" dirty="0">
+                <a:ea typeface="Verdana" panose="020B0604030504040204" pitchFamily="34" charset="0"/>
+              </a:rPr>
+              <a:t>A partir daí, ele solicita dados pessoais e financeiros sob o pretexto de proteger a conta. Em alguns casos, o golpista até orienta a vítima a ligar para a central do banco, utilizando o número que está no verso do cartão. </a:t>
+            </a:r>
+          </a:p>
+          <a:p>
+            <a:endParaRPr lang="pt-BR" sz="2400" dirty="0">
+              <a:ea typeface="Verdana" panose="020B0604030504040204" pitchFamily="34" charset="0"/>
+            </a:endParaRPr>
+          </a:p>
+          <a:p>
+            <a:r>
+              <a:rPr lang="pt-BR" sz="2400" dirty="0">
+                <a:ea typeface="Verdana" panose="020B0604030504040204" pitchFamily="34" charset="0"/>
+              </a:rPr>
+              <a:t>No entanto, ele permanece na linha, simula o atendimento e pede os dados da conta, dos cartões e, principalmente, a senha ao ser digitada.</a:t>
             </a:r>
           </a:p>
         </p:txBody>
@@ -3512,7 +3559,7 @@
     </p:spTree>
     <p:extLst>
       <p:ext uri="{BB962C8B-B14F-4D97-AF65-F5344CB8AC3E}">
-        <p14:creationId xmlns:p14="http://schemas.microsoft.com/office/powerpoint/2010/main" val="2942695672"/>
+        <p14:creationId xmlns:p14="http://schemas.microsoft.com/office/powerpoint/2010/main" val="3394504304"/>
       </p:ext>
     </p:extLst>
   </p:cSld>
@@ -3522,7 +3569,408 @@
 </p:sld>
 </file>
 
-<file path=ppt/slides/slide3.xml><?xml version="1.0" encoding="utf-8"?>
+<file path=ppt/slides/slide11.xml><?xml version="1.0" encoding="utf-8"?>
+<p:sld xmlns:a="http://schemas.openxmlformats.org/drawingml/2006/main" xmlns:r="http://schemas.openxmlformats.org/officeDocument/2006/relationships" xmlns:p="http://schemas.openxmlformats.org/presentationml/2006/main">
+  <p:cSld>
+    <p:spTree>
+      <p:nvGrpSpPr>
+        <p:cNvPr id="1" name=""/>
+        <p:cNvGrpSpPr/>
+        <p:nvPr/>
+      </p:nvGrpSpPr>
+      <p:grpSpPr>
+        <a:xfrm>
+          <a:off x="0" y="0"/>
+          <a:ext cx="0" cy="0"/>
+          <a:chOff x="0" y="0"/>
+          <a:chExt cx="0" cy="0"/>
+        </a:xfrm>
+      </p:grpSpPr>
+      <p:sp>
+        <p:nvSpPr>
+          <p:cNvPr id="4" name="CaixaDeTexto 3">
+            <a:extLst>
+              <a:ext uri="{FF2B5EF4-FFF2-40B4-BE49-F238E27FC236}">
+                <a16:creationId xmlns:a16="http://schemas.microsoft.com/office/drawing/2014/main" id="{FA455E4A-D634-4C48-AC11-1A1CB25C8AC9}"/>
+              </a:ext>
+            </a:extLst>
+          </p:cNvPr>
+          <p:cNvSpPr txBox="1"/>
+          <p:nvPr/>
+        </p:nvSpPr>
+        <p:spPr>
+          <a:xfrm>
+            <a:off x="555171" y="666436"/>
+            <a:ext cx="8490857" cy="7848302"/>
+          </a:xfrm>
+          <a:prstGeom prst="rect">
+            <a:avLst/>
+          </a:prstGeom>
+          <a:noFill/>
+        </p:spPr>
+        <p:txBody>
+          <a:bodyPr wrap="square" rtlCol="0">
+            <a:spAutoFit/>
+          </a:bodyPr>
+          <a:lstStyle/>
+          <a:p>
+            <a:r>
+              <a:rPr lang="pt-BR" sz="2400" u="sng" dirty="0">
+                <a:ea typeface="Verdana" panose="020B0604030504040204" pitchFamily="34" charset="0"/>
+              </a:rPr>
+              <a:t>Descrição Passo a Passo de Como o Golpe Funciona </a:t>
+            </a:r>
+          </a:p>
+          <a:p>
+            <a:endParaRPr lang="pt-BR" sz="2400" dirty="0">
+              <a:ea typeface="Verdana" panose="020B0604030504040204" pitchFamily="34" charset="0"/>
+            </a:endParaRPr>
+          </a:p>
+          <a:p>
+            <a:r>
+              <a:rPr lang="pt-BR" sz="2400" dirty="0">
+                <a:ea typeface="Verdana" panose="020B0604030504040204" pitchFamily="34" charset="0"/>
+              </a:rPr>
+              <a:t>Contato Inicial: O golpista entra em contato com a vítima, se passando por um funcionário do banco ou da empresa com a qual ela tem um vínculo.</a:t>
+            </a:r>
+          </a:p>
+          <a:p>
+            <a:endParaRPr lang="pt-BR" sz="2400" dirty="0">
+              <a:ea typeface="Verdana" panose="020B0604030504040204" pitchFamily="34" charset="0"/>
+            </a:endParaRPr>
+          </a:p>
+          <a:p>
+            <a:r>
+              <a:rPr lang="pt-BR" sz="2400" dirty="0">
+                <a:ea typeface="Verdana" panose="020B0604030504040204" pitchFamily="34" charset="0"/>
+              </a:rPr>
+              <a:t>Informação de Problema: O criminoso afirma que houve uma invasão, clonagem ou outro problema com a conta da vítima, criando um senso de urgência.</a:t>
+            </a:r>
+          </a:p>
+          <a:p>
+            <a:endParaRPr lang="pt-BR" sz="2400" dirty="0">
+              <a:ea typeface="Verdana" panose="020B0604030504040204" pitchFamily="34" charset="0"/>
+            </a:endParaRPr>
+          </a:p>
+          <a:p>
+            <a:r>
+              <a:rPr lang="pt-BR" sz="2400" dirty="0">
+                <a:ea typeface="Verdana" panose="020B0604030504040204" pitchFamily="34" charset="0"/>
+              </a:rPr>
+              <a:t>Solicitação de Dados: Em seguida, pede que a vítima forneça dados pessoais e financeiros para supostamente resolver o problema.</a:t>
+            </a:r>
+          </a:p>
+          <a:p>
+            <a:endParaRPr lang="pt-BR" sz="2400" dirty="0">
+              <a:ea typeface="Verdana" panose="020B0604030504040204" pitchFamily="34" charset="0"/>
+            </a:endParaRPr>
+          </a:p>
+          <a:p>
+            <a:r>
+              <a:rPr lang="pt-BR" sz="2400" dirty="0">
+                <a:ea typeface="Verdana" panose="020B0604030504040204" pitchFamily="34" charset="0"/>
+              </a:rPr>
+              <a:t>Ligação para a Central: Para reforçar a credibilidade, o golpista sugere que a vítima ligue para a central do banco, utilizando o número que consta no verso do cartão.</a:t>
+            </a:r>
+          </a:p>
+          <a:p>
+            <a:endParaRPr lang="pt-BR" sz="2400" dirty="0">
+              <a:ea typeface="Verdana" panose="020B0604030504040204" pitchFamily="34" charset="0"/>
+            </a:endParaRPr>
+          </a:p>
+          <a:p>
+            <a:r>
+              <a:rPr lang="pt-BR" sz="2400" dirty="0">
+                <a:ea typeface="Verdana" panose="020B0604030504040204" pitchFamily="34" charset="0"/>
+              </a:rPr>
+              <a:t>Simulação de Atendimento: O fraudador permanece na linha e simula um atendimento oficial, pedindo os dados da conta, dos cartões e, especialmente, a senha, aproveitando a confiança da vítima.</a:t>
+            </a:r>
+          </a:p>
+        </p:txBody>
+      </p:sp>
+      <p:sp>
+        <p:nvSpPr>
+          <p:cNvPr id="5" name="CaixaDeTexto 4">
+            <a:extLst>
+              <a:ext uri="{FF2B5EF4-FFF2-40B4-BE49-F238E27FC236}">
+                <a16:creationId xmlns:a16="http://schemas.microsoft.com/office/drawing/2014/main" id="{E937F876-8B27-4A3F-BF3D-81C5FA40DD7C}"/>
+              </a:ext>
+            </a:extLst>
+          </p:cNvPr>
+          <p:cNvSpPr txBox="1"/>
+          <p:nvPr/>
+        </p:nvSpPr>
+        <p:spPr>
+          <a:xfrm>
+            <a:off x="555170" y="9826840"/>
+            <a:ext cx="8490857" cy="2308324"/>
+          </a:xfrm>
+          <a:prstGeom prst="rect">
+            <a:avLst/>
+          </a:prstGeom>
+          <a:noFill/>
+        </p:spPr>
+        <p:txBody>
+          <a:bodyPr wrap="square" rtlCol="0">
+            <a:spAutoFit/>
+          </a:bodyPr>
+          <a:lstStyle/>
+          <a:p>
+            <a:r>
+              <a:rPr lang="pt-BR" sz="2400" u="sng" dirty="0">
+                <a:ea typeface="Verdana" panose="020B0604030504040204" pitchFamily="34" charset="0"/>
+              </a:rPr>
+              <a:t>Principais Sinais de Alerta:</a:t>
+            </a:r>
+          </a:p>
+          <a:p>
+            <a:pPr marL="342900" indent="-342900">
+              <a:buFont typeface="Arial" panose="020B0604020202020204" pitchFamily="34" charset="0"/>
+              <a:buChar char="•"/>
+            </a:pPr>
+            <a:r>
+              <a:rPr lang="pt-BR" sz="2400" dirty="0">
+                <a:ea typeface="Verdana" panose="020B0604030504040204" pitchFamily="34" charset="0"/>
+              </a:rPr>
+              <a:t>Pedidos Urgentes: Solicitações de ações imediatas ou para resolver problemas urgentes</a:t>
+            </a:r>
+          </a:p>
+          <a:p>
+            <a:pPr marL="342900" indent="-342900">
+              <a:buFont typeface="Arial" panose="020B0604020202020204" pitchFamily="34" charset="0"/>
+              <a:buChar char="•"/>
+            </a:pPr>
+            <a:r>
+              <a:rPr lang="pt-BR" sz="2400" dirty="0">
+                <a:ea typeface="Verdana" panose="020B0604030504040204" pitchFamily="34" charset="0"/>
+              </a:rPr>
+              <a:t>Pedidos de Informações Sensíveis: Solicitação de dados como senhas, números de contas ou códigos PIN, que bancos ou empresas legítimas não pedem por telefone.</a:t>
+            </a:r>
+          </a:p>
+        </p:txBody>
+      </p:sp>
+    </p:spTree>
+    <p:extLst>
+      <p:ext uri="{BB962C8B-B14F-4D97-AF65-F5344CB8AC3E}">
+        <p14:creationId xmlns:p14="http://schemas.microsoft.com/office/powerpoint/2010/main" val="643882633"/>
+      </p:ext>
+    </p:extLst>
+  </p:cSld>
+  <p:clrMapOvr>
+    <a:masterClrMapping/>
+  </p:clrMapOvr>
+</p:sld>
+</file>
+
+<file path=ppt/slides/slide12.xml><?xml version="1.0" encoding="utf-8"?>
+<p:sld xmlns:a="http://schemas.openxmlformats.org/drawingml/2006/main" xmlns:r="http://schemas.openxmlformats.org/officeDocument/2006/relationships" xmlns:p="http://schemas.openxmlformats.org/presentationml/2006/main">
+  <p:cSld>
+    <p:spTree>
+      <p:nvGrpSpPr>
+        <p:cNvPr id="1" name=""/>
+        <p:cNvGrpSpPr/>
+        <p:nvPr/>
+      </p:nvGrpSpPr>
+      <p:grpSpPr>
+        <a:xfrm>
+          <a:off x="0" y="0"/>
+          <a:ext cx="0" cy="0"/>
+          <a:chOff x="0" y="0"/>
+          <a:chExt cx="0" cy="0"/>
+        </a:xfrm>
+      </p:grpSpPr>
+      <p:sp>
+        <p:nvSpPr>
+          <p:cNvPr id="4" name="CaixaDeTexto 3">
+            <a:extLst>
+              <a:ext uri="{FF2B5EF4-FFF2-40B4-BE49-F238E27FC236}">
+                <a16:creationId xmlns:a16="http://schemas.microsoft.com/office/drawing/2014/main" id="{3B992A4E-5272-41D0-9313-41D9FA2F3109}"/>
+              </a:ext>
+            </a:extLst>
+          </p:cNvPr>
+          <p:cNvSpPr txBox="1"/>
+          <p:nvPr/>
+        </p:nvSpPr>
+        <p:spPr>
+          <a:xfrm>
+            <a:off x="555171" y="718687"/>
+            <a:ext cx="8490857" cy="6001643"/>
+          </a:xfrm>
+          <a:prstGeom prst="rect">
+            <a:avLst/>
+          </a:prstGeom>
+          <a:noFill/>
+        </p:spPr>
+        <p:txBody>
+          <a:bodyPr wrap="square" rtlCol="0">
+            <a:spAutoFit/>
+          </a:bodyPr>
+          <a:lstStyle/>
+          <a:p>
+            <a:r>
+              <a:rPr lang="pt-BR" sz="2400" u="sng" dirty="0">
+                <a:ea typeface="Verdana" panose="020B0604030504040204" pitchFamily="34" charset="0"/>
+              </a:rPr>
+              <a:t>Dicas de Prevenção para Comerciantes:</a:t>
+            </a:r>
+          </a:p>
+          <a:p>
+            <a:endParaRPr lang="pt-BR" sz="2400" dirty="0">
+              <a:ea typeface="Verdana" panose="020B0604030504040204" pitchFamily="34" charset="0"/>
+            </a:endParaRPr>
+          </a:p>
+          <a:p>
+            <a:r>
+              <a:rPr lang="pt-BR" sz="2400" dirty="0">
+                <a:ea typeface="Verdana" panose="020B0604030504040204" pitchFamily="34" charset="0"/>
+              </a:rPr>
+              <a:t>Dica #1: Nunca compartilhe senhas ou códigos de segurança por telefone, pois instituições legítimas não solicitam esses dados.</a:t>
+            </a:r>
+          </a:p>
+          <a:p>
+            <a:endParaRPr lang="pt-BR" sz="2400" dirty="0">
+              <a:ea typeface="Verdana" panose="020B0604030504040204" pitchFamily="34" charset="0"/>
+            </a:endParaRPr>
+          </a:p>
+          <a:p>
+            <a:r>
+              <a:rPr lang="pt-BR" sz="2400" dirty="0">
+                <a:ea typeface="Verdana" panose="020B0604030504040204" pitchFamily="34" charset="0"/>
+              </a:rPr>
+              <a:t>Dica #2: Caso receba uma solicitação urgente, desligue a ligação e contate a instituição diretamente, utilizando o número oficial encontrado no site.</a:t>
+            </a:r>
+          </a:p>
+          <a:p>
+            <a:endParaRPr lang="pt-BR" sz="2400" dirty="0">
+              <a:ea typeface="Verdana" panose="020B0604030504040204" pitchFamily="34" charset="0"/>
+            </a:endParaRPr>
+          </a:p>
+          <a:p>
+            <a:r>
+              <a:rPr lang="pt-BR" sz="2400" dirty="0">
+                <a:ea typeface="Verdana" panose="020B0604030504040204" pitchFamily="34" charset="0"/>
+              </a:rPr>
+              <a:t>Dica #3: Evite fazer transferências ou compartilhar informações durante uma ligação. Em caso de dúvida, consulte uma fonte conhecida e confiável.</a:t>
+            </a:r>
+          </a:p>
+          <a:p>
+            <a:endParaRPr lang="pt-BR" sz="2400" dirty="0">
+              <a:ea typeface="Verdana" panose="020B0604030504040204" pitchFamily="34" charset="0"/>
+            </a:endParaRPr>
+          </a:p>
+          <a:p>
+            <a:r>
+              <a:rPr lang="pt-BR" sz="2400" dirty="0">
+                <a:ea typeface="Verdana" panose="020B0604030504040204" pitchFamily="34" charset="0"/>
+              </a:rPr>
+              <a:t>Dica #4: Eduque e treine sua equipe para reconhecer esses golpes, incentivando-os a verificar cada interação e agir com cautela em situações suspeitas.</a:t>
+            </a:r>
+          </a:p>
+        </p:txBody>
+      </p:sp>
+      <p:sp>
+        <p:nvSpPr>
+          <p:cNvPr id="5" name="CaixaDeTexto 4">
+            <a:extLst>
+              <a:ext uri="{FF2B5EF4-FFF2-40B4-BE49-F238E27FC236}">
+                <a16:creationId xmlns:a16="http://schemas.microsoft.com/office/drawing/2014/main" id="{0315C03A-1CB6-489E-AF1A-43E673C1E49A}"/>
+              </a:ext>
+            </a:extLst>
+          </p:cNvPr>
+          <p:cNvSpPr txBox="1"/>
+          <p:nvPr/>
+        </p:nvSpPr>
+        <p:spPr>
+          <a:xfrm>
+            <a:off x="555170" y="7223990"/>
+            <a:ext cx="8490857" cy="5262979"/>
+          </a:xfrm>
+          <a:prstGeom prst="rect">
+            <a:avLst/>
+          </a:prstGeom>
+          <a:noFill/>
+        </p:spPr>
+        <p:txBody>
+          <a:bodyPr wrap="square" rtlCol="0">
+            <a:spAutoFit/>
+          </a:bodyPr>
+          <a:lstStyle/>
+          <a:p>
+            <a:r>
+              <a:rPr lang="pt-BR" sz="2400" u="sng" dirty="0">
+                <a:ea typeface="Verdana" panose="020B0604030504040204" pitchFamily="34" charset="0"/>
+              </a:rPr>
+              <a:t>Sugestão de Conversa com um Chamador Suspeito:</a:t>
+            </a:r>
+          </a:p>
+          <a:p>
+            <a:endParaRPr lang="pt-BR" sz="2400" dirty="0">
+              <a:ea typeface="Verdana" panose="020B0604030504040204" pitchFamily="34" charset="0"/>
+            </a:endParaRPr>
+          </a:p>
+          <a:p>
+            <a:r>
+              <a:rPr lang="pt-BR" sz="2400" dirty="0">
+                <a:ea typeface="Verdana" panose="020B0604030504040204" pitchFamily="34" charset="0"/>
+              </a:rPr>
+              <a:t>Golpista: “Estou ligando do seu banco. Notamos uma atividade incomum na sua conta e precisamos verificar suas informações.</a:t>
+            </a:r>
+          </a:p>
+          <a:p>
+            <a:endParaRPr lang="pt-BR" sz="2400" dirty="0">
+              <a:ea typeface="Verdana" panose="020B0604030504040204" pitchFamily="34" charset="0"/>
+            </a:endParaRPr>
+          </a:p>
+          <a:p>
+            <a:r>
+              <a:rPr lang="pt-BR" sz="2400" dirty="0">
+                <a:ea typeface="Verdana" panose="020B0604030504040204" pitchFamily="34" charset="0"/>
+              </a:rPr>
+              <a:t>Comerciante: “Obrigado por me avisar. Vou ligar diretamente para o banco usando o número oficial no site para verificar essas informações.</a:t>
+            </a:r>
+          </a:p>
+          <a:p>
+            <a:endParaRPr lang="pt-BR" sz="2400" dirty="0">
+              <a:ea typeface="Verdana" panose="020B0604030504040204" pitchFamily="34" charset="0"/>
+            </a:endParaRPr>
+          </a:p>
+          <a:p>
+            <a:r>
+              <a:rPr lang="pt-BR" sz="2400" dirty="0">
+                <a:ea typeface="Verdana" panose="020B0604030504040204" pitchFamily="34" charset="0"/>
+              </a:rPr>
+              <a:t>Golpista: “Mas precisamos resolver isso imediatamente para evitar mais problemas.</a:t>
+            </a:r>
+          </a:p>
+          <a:p>
+            <a:endParaRPr lang="pt-BR" sz="2400" dirty="0">
+              <a:ea typeface="Verdana" panose="020B0604030504040204" pitchFamily="34" charset="0"/>
+            </a:endParaRPr>
+          </a:p>
+          <a:p>
+            <a:r>
+              <a:rPr lang="pt-BR" sz="2400" dirty="0">
+                <a:ea typeface="Verdana" panose="020B0604030504040204" pitchFamily="34" charset="0"/>
+              </a:rPr>
+              <a:t>Comerciante: “Entendo a urgência, mas vou verificar isso diretamente com meu banco.”</a:t>
+            </a:r>
+          </a:p>
+        </p:txBody>
+      </p:sp>
+    </p:spTree>
+    <p:extLst>
+      <p:ext uri="{BB962C8B-B14F-4D97-AF65-F5344CB8AC3E}">
+        <p14:creationId xmlns:p14="http://schemas.microsoft.com/office/powerpoint/2010/main" val="3427475189"/>
+      </p:ext>
+    </p:extLst>
+  </p:cSld>
+  <p:clrMapOvr>
+    <a:masterClrMapping/>
+  </p:clrMapOvr>
+</p:sld>
+</file>
+
+<file path=ppt/slides/slide13.xml><?xml version="1.0" encoding="utf-8"?>
 <p:sld xmlns:a="http://schemas.openxmlformats.org/drawingml/2006/main" xmlns:r="http://schemas.openxmlformats.org/officeDocument/2006/relationships" xmlns:p="http://schemas.openxmlformats.org/presentationml/2006/main">
   <p:cSld>
     <p:spTree>
@@ -3597,6 +4045,244 @@
     </p:spTree>
     <p:extLst>
       <p:ext uri="{BB962C8B-B14F-4D97-AF65-F5344CB8AC3E}">
+        <p14:creationId xmlns:p14="http://schemas.microsoft.com/office/powerpoint/2010/main" val="4002730345"/>
+      </p:ext>
+    </p:extLst>
+  </p:cSld>
+  <p:clrMapOvr>
+    <a:masterClrMapping/>
+  </p:clrMapOvr>
+</p:sld>
+</file>
+
+<file path=ppt/slides/slide2.xml><?xml version="1.0" encoding="utf-8"?>
+<p:sld xmlns:a="http://schemas.openxmlformats.org/drawingml/2006/main" xmlns:r="http://schemas.openxmlformats.org/officeDocument/2006/relationships" xmlns:p="http://schemas.openxmlformats.org/presentationml/2006/main">
+  <p:cSld>
+    <p:spTree>
+      <p:nvGrpSpPr>
+        <p:cNvPr id="1" name=""/>
+        <p:cNvGrpSpPr/>
+        <p:nvPr/>
+      </p:nvGrpSpPr>
+      <p:grpSpPr>
+        <a:xfrm>
+          <a:off x="0" y="0"/>
+          <a:ext cx="0" cy="0"/>
+          <a:chOff x="0" y="0"/>
+          <a:chExt cx="0" cy="0"/>
+        </a:xfrm>
+      </p:grpSpPr>
+      <p:sp>
+        <p:nvSpPr>
+          <p:cNvPr id="6" name="CaixaDeTexto 5">
+            <a:extLst>
+              <a:ext uri="{FF2B5EF4-FFF2-40B4-BE49-F238E27FC236}">
+                <a16:creationId xmlns:a16="http://schemas.microsoft.com/office/drawing/2014/main" id="{77730364-990F-48E5-97E7-881174E8796B}"/>
+              </a:ext>
+            </a:extLst>
+          </p:cNvPr>
+          <p:cNvSpPr txBox="1"/>
+          <p:nvPr/>
+        </p:nvSpPr>
+        <p:spPr>
+          <a:xfrm>
+            <a:off x="731520" y="3723144"/>
+            <a:ext cx="8490857" cy="2308324"/>
+          </a:xfrm>
+          <a:prstGeom prst="rect">
+            <a:avLst/>
+          </a:prstGeom>
+          <a:noFill/>
+        </p:spPr>
+        <p:txBody>
+          <a:bodyPr wrap="square" rtlCol="0">
+            <a:spAutoFit/>
+          </a:bodyPr>
+          <a:lstStyle/>
+          <a:p>
+            <a:r>
+              <a:rPr lang="pt-BR" sz="2400" dirty="0">
+                <a:ea typeface="Verdana" panose="020B0604030504040204" pitchFamily="34" charset="0"/>
+              </a:rPr>
+              <a:t>Lorem ipsum dolor sit amet, consectetuer adipiscing elit. Maecenas porttitor congue massa. Fusce posuere, magna sed pulvinar ultricies, purus lectus malesuada libero, sit amet commodo magna eros quis urna.</a:t>
+            </a:r>
+          </a:p>
+          <a:p>
+            <a:endParaRPr lang="pt-BR" sz="2400" dirty="0">
+              <a:ea typeface="Verdana" panose="020B0604030504040204" pitchFamily="34" charset="0"/>
+            </a:endParaRPr>
+          </a:p>
+          <a:p>
+            <a:endParaRPr lang="pt-BR" sz="2400" dirty="0">
+              <a:ea typeface="Verdana" panose="020B0604030504040204" pitchFamily="34" charset="0"/>
+            </a:endParaRPr>
+          </a:p>
+        </p:txBody>
+      </p:sp>
+      <p:sp>
+        <p:nvSpPr>
+          <p:cNvPr id="7" name="CaixaDeTexto 6">
+            <a:extLst>
+              <a:ext uri="{FF2B5EF4-FFF2-40B4-BE49-F238E27FC236}">
+                <a16:creationId xmlns:a16="http://schemas.microsoft.com/office/drawing/2014/main" id="{FCD85300-2354-498C-9395-9D1BAF9EBAFC}"/>
+              </a:ext>
+            </a:extLst>
+          </p:cNvPr>
+          <p:cNvSpPr txBox="1"/>
+          <p:nvPr/>
+        </p:nvSpPr>
+        <p:spPr>
+          <a:xfrm>
+            <a:off x="940526" y="731520"/>
+            <a:ext cx="7236823" cy="707886"/>
+          </a:xfrm>
+          <a:prstGeom prst="rect">
+            <a:avLst/>
+          </a:prstGeom>
+          <a:noFill/>
+        </p:spPr>
+        <p:txBody>
+          <a:bodyPr wrap="square" rtlCol="0">
+            <a:spAutoFit/>
+          </a:bodyPr>
+          <a:lstStyle/>
+          <a:p>
+            <a:r>
+              <a:rPr lang="pt-BR" sz="4000" dirty="0">
+                <a:latin typeface="Impact" panose="020B0806030902050204" pitchFamily="34" charset="0"/>
+                <a:ea typeface="Verdana" panose="020B0604030504040204" pitchFamily="34" charset="0"/>
+              </a:rPr>
+              <a:t>Lorem ipsum dolor sit amet, c</a:t>
+            </a:r>
+          </a:p>
+        </p:txBody>
+      </p:sp>
+      <p:sp>
+        <p:nvSpPr>
+          <p:cNvPr id="8" name="CaixaDeTexto 7">
+            <a:extLst>
+              <a:ext uri="{FF2B5EF4-FFF2-40B4-BE49-F238E27FC236}">
+                <a16:creationId xmlns:a16="http://schemas.microsoft.com/office/drawing/2014/main" id="{E1CD2C4C-1494-48FB-A264-87ACE414EAA3}"/>
+              </a:ext>
+            </a:extLst>
+          </p:cNvPr>
+          <p:cNvSpPr txBox="1"/>
+          <p:nvPr/>
+        </p:nvSpPr>
+        <p:spPr>
+          <a:xfrm>
+            <a:off x="940525" y="2061605"/>
+            <a:ext cx="5930537" cy="584775"/>
+          </a:xfrm>
+          <a:prstGeom prst="rect">
+            <a:avLst/>
+          </a:prstGeom>
+          <a:noFill/>
+        </p:spPr>
+        <p:txBody>
+          <a:bodyPr wrap="square" rtlCol="0">
+            <a:spAutoFit/>
+          </a:bodyPr>
+          <a:lstStyle/>
+          <a:p>
+            <a:r>
+              <a:rPr lang="pt-BR" sz="3200" dirty="0">
+                <a:latin typeface="+mj-lt"/>
+                <a:ea typeface="Verdana" panose="020B0604030504040204" pitchFamily="34" charset="0"/>
+              </a:rPr>
+              <a:t>Lorem ipsum dolor sit amet, </a:t>
+            </a:r>
+          </a:p>
+        </p:txBody>
+      </p:sp>
+    </p:spTree>
+    <p:extLst>
+      <p:ext uri="{BB962C8B-B14F-4D97-AF65-F5344CB8AC3E}">
+        <p14:creationId xmlns:p14="http://schemas.microsoft.com/office/powerpoint/2010/main" val="2942695672"/>
+      </p:ext>
+    </p:extLst>
+  </p:cSld>
+  <p:clrMapOvr>
+    <a:masterClrMapping/>
+  </p:clrMapOvr>
+</p:sld>
+</file>
+
+<file path=ppt/slides/slide3.xml><?xml version="1.0" encoding="utf-8"?>
+<p:sld xmlns:a="http://schemas.openxmlformats.org/drawingml/2006/main" xmlns:r="http://schemas.openxmlformats.org/officeDocument/2006/relationships" xmlns:p="http://schemas.openxmlformats.org/presentationml/2006/main">
+  <p:cSld>
+    <p:spTree>
+      <p:nvGrpSpPr>
+        <p:cNvPr id="1" name=""/>
+        <p:cNvGrpSpPr/>
+        <p:nvPr/>
+      </p:nvGrpSpPr>
+      <p:grpSpPr>
+        <a:xfrm>
+          <a:off x="0" y="0"/>
+          <a:ext cx="0" cy="0"/>
+          <a:chOff x="0" y="0"/>
+          <a:chExt cx="0" cy="0"/>
+        </a:xfrm>
+      </p:grpSpPr>
+      <p:sp>
+        <p:nvSpPr>
+          <p:cNvPr id="2" name="Retângulo 1">
+            <a:extLst>
+              <a:ext uri="{FF2B5EF4-FFF2-40B4-BE49-F238E27FC236}">
+                <a16:creationId xmlns:a16="http://schemas.microsoft.com/office/drawing/2014/main" id="{56E00986-74EA-423A-BCA8-605F996C9B29}"/>
+              </a:ext>
+            </a:extLst>
+          </p:cNvPr>
+          <p:cNvSpPr/>
+          <p:nvPr/>
+        </p:nvSpPr>
+        <p:spPr>
+          <a:xfrm>
+            <a:off x="0" y="0"/>
+            <a:ext cx="9601200" cy="12801600"/>
+          </a:xfrm>
+          <a:prstGeom prst="rect">
+            <a:avLst/>
+          </a:prstGeom>
+          <a:solidFill>
+            <a:schemeClr val="tx1">
+              <a:lumMod val="75000"/>
+              <a:lumOff val="25000"/>
+            </a:schemeClr>
+          </a:solidFill>
+          <a:ln>
+            <a:noFill/>
+          </a:ln>
+        </p:spPr>
+        <p:style>
+          <a:lnRef idx="2">
+            <a:schemeClr val="accent1">
+              <a:shade val="50000"/>
+            </a:schemeClr>
+          </a:lnRef>
+          <a:fillRef idx="1">
+            <a:schemeClr val="accent1"/>
+          </a:fillRef>
+          <a:effectRef idx="0">
+            <a:schemeClr val="accent1"/>
+          </a:effectRef>
+          <a:fontRef idx="minor">
+            <a:schemeClr val="lt1"/>
+          </a:fontRef>
+        </p:style>
+        <p:txBody>
+          <a:bodyPr rtlCol="0" anchor="ctr"/>
+          <a:lstStyle/>
+          <a:p>
+            <a:pPr algn="ctr"/>
+            <a:endParaRPr lang="pt-BR"/>
+          </a:p>
+        </p:txBody>
+      </p:sp>
+    </p:spTree>
+    <p:extLst>
+      <p:ext uri="{BB962C8B-B14F-4D97-AF65-F5344CB8AC3E}">
         <p14:creationId xmlns:p14="http://schemas.microsoft.com/office/powerpoint/2010/main" val="2575128544"/>
       </p:ext>
     </p:extLst>
@@ -3860,7 +4546,7 @@
           <a:lstStyle/>
           <a:p>
             <a:r>
-              <a:rPr lang="pt-BR" sz="2400" dirty="0">
+              <a:rPr lang="pt-BR" sz="2400" u="sng" dirty="0">
                 <a:ea typeface="Verdana" panose="020B0604030504040204" pitchFamily="34" charset="0"/>
               </a:rPr>
               <a:t>Passo a Passo: Como o Golpe Acontece:</a:t>
@@ -4065,7 +4751,7 @@
           <a:lstStyle/>
           <a:p>
             <a:r>
-              <a:rPr lang="pt-BR" sz="2400" dirty="0">
+              <a:rPr lang="pt-BR" sz="2400" u="sng" dirty="0">
                 <a:ea typeface="Verdana" panose="020B0604030504040204" pitchFamily="34" charset="0"/>
               </a:rPr>
               <a:t>Principais Sinais de Alerta:</a:t>
@@ -4209,7 +4895,7 @@
           <a:lstStyle/>
           <a:p>
             <a:r>
-              <a:rPr lang="pt-BR" sz="2400" dirty="0">
+              <a:rPr lang="pt-BR" sz="2400" u="sng" dirty="0">
                 <a:ea typeface="Verdana" panose="020B0604030504040204" pitchFamily="34" charset="0"/>
               </a:rPr>
               <a:t>Dicas de Prevenção para Comerciantes</a:t>
@@ -4380,7 +5066,7 @@
           <a:lstStyle/>
           <a:p>
             <a:r>
-              <a:rPr lang="pt-BR" sz="2400" dirty="0">
+              <a:rPr lang="pt-BR" sz="2400" u="sng" dirty="0">
                 <a:ea typeface="Verdana" panose="020B0604030504040204" pitchFamily="34" charset="0"/>
               </a:rPr>
               <a:t>Sugestão de Conversa com um Cliente Suspeito:</a:t>
@@ -4592,6 +5278,91 @@
     <p:extLst>
       <p:ext uri="{BB962C8B-B14F-4D97-AF65-F5344CB8AC3E}">
         <p14:creationId xmlns:p14="http://schemas.microsoft.com/office/powerpoint/2010/main" val="3218200588"/>
+      </p:ext>
+    </p:extLst>
+  </p:cSld>
+  <p:clrMapOvr>
+    <a:masterClrMapping/>
+  </p:clrMapOvr>
+</p:sld>
+</file>
+
+<file path=ppt/slides/slide9.xml><?xml version="1.0" encoding="utf-8"?>
+<p:sld xmlns:a="http://schemas.openxmlformats.org/drawingml/2006/main" xmlns:r="http://schemas.openxmlformats.org/officeDocument/2006/relationships" xmlns:p="http://schemas.openxmlformats.org/presentationml/2006/main">
+  <p:cSld>
+    <p:spTree>
+      <p:nvGrpSpPr>
+        <p:cNvPr id="1" name=""/>
+        <p:cNvGrpSpPr/>
+        <p:nvPr/>
+      </p:nvGrpSpPr>
+      <p:grpSpPr>
+        <a:xfrm>
+          <a:off x="0" y="0"/>
+          <a:ext cx="0" cy="0"/>
+          <a:chOff x="0" y="0"/>
+          <a:chExt cx="0" cy="0"/>
+        </a:xfrm>
+      </p:grpSpPr>
+      <p:sp>
+        <p:nvSpPr>
+          <p:cNvPr id="2" name="Retângulo 1">
+            <a:extLst>
+              <a:ext uri="{FF2B5EF4-FFF2-40B4-BE49-F238E27FC236}">
+                <a16:creationId xmlns:a16="http://schemas.microsoft.com/office/drawing/2014/main" id="{56E00986-74EA-423A-BCA8-605F996C9B29}"/>
+              </a:ext>
+            </a:extLst>
+          </p:cNvPr>
+          <p:cNvSpPr/>
+          <p:nvPr/>
+        </p:nvSpPr>
+        <p:spPr>
+          <a:xfrm>
+            <a:off x="0" y="0"/>
+            <a:ext cx="9601200" cy="12801600"/>
+          </a:xfrm>
+          <a:prstGeom prst="rect">
+            <a:avLst/>
+          </a:prstGeom>
+          <a:solidFill>
+            <a:schemeClr val="tx1">
+              <a:lumMod val="75000"/>
+              <a:lumOff val="25000"/>
+            </a:schemeClr>
+          </a:solidFill>
+          <a:ln>
+            <a:noFill/>
+          </a:ln>
+        </p:spPr>
+        <p:style>
+          <a:lnRef idx="2">
+            <a:schemeClr val="accent1">
+              <a:shade val="50000"/>
+            </a:schemeClr>
+          </a:lnRef>
+          <a:fillRef idx="1">
+            <a:schemeClr val="accent1"/>
+          </a:fillRef>
+          <a:effectRef idx="0">
+            <a:schemeClr val="accent1"/>
+          </a:effectRef>
+          <a:fontRef idx="minor">
+            <a:schemeClr val="lt1"/>
+          </a:fontRef>
+        </p:style>
+        <p:txBody>
+          <a:bodyPr rtlCol="0" anchor="ctr"/>
+          <a:lstStyle/>
+          <a:p>
+            <a:pPr algn="ctr"/>
+            <a:endParaRPr lang="pt-BR"/>
+          </a:p>
+        </p:txBody>
+      </p:sp>
+    </p:spTree>
+    <p:extLst>
+      <p:ext uri="{BB962C8B-B14F-4D97-AF65-F5344CB8AC3E}">
+        <p14:creationId xmlns:p14="http://schemas.microsoft.com/office/powerpoint/2010/main" val="2451315127"/>
       </p:ext>
     </p:extLst>
   </p:cSld>

--- a/e-book.pptx
+++ b/e-book.pptx
@@ -266,7 +266,7 @@
           <a:p>
             <a:fld id="{3A206174-9285-4089-8906-30F00F244F0E}" type="datetimeFigureOut">
               <a:rPr lang="pt-BR" smtClean="0"/>
-              <a:t>02/11/2024</a:t>
+              <a:t>03/11/2024</a:t>
             </a:fld>
             <a:endParaRPr lang="pt-BR"/>
           </a:p>
@@ -436,7 +436,7 @@
           <a:p>
             <a:fld id="{3A206174-9285-4089-8906-30F00F244F0E}" type="datetimeFigureOut">
               <a:rPr lang="pt-BR" smtClean="0"/>
-              <a:t>02/11/2024</a:t>
+              <a:t>03/11/2024</a:t>
             </a:fld>
             <a:endParaRPr lang="pt-BR"/>
           </a:p>
@@ -616,7 +616,7 @@
           <a:p>
             <a:fld id="{3A206174-9285-4089-8906-30F00F244F0E}" type="datetimeFigureOut">
               <a:rPr lang="pt-BR" smtClean="0"/>
-              <a:t>02/11/2024</a:t>
+              <a:t>03/11/2024</a:t>
             </a:fld>
             <a:endParaRPr lang="pt-BR"/>
           </a:p>
@@ -786,7 +786,7 @@
           <a:p>
             <a:fld id="{3A206174-9285-4089-8906-30F00F244F0E}" type="datetimeFigureOut">
               <a:rPr lang="pt-BR" smtClean="0"/>
-              <a:t>02/11/2024</a:t>
+              <a:t>03/11/2024</a:t>
             </a:fld>
             <a:endParaRPr lang="pt-BR"/>
           </a:p>
@@ -1030,7 +1030,7 @@
           <a:p>
             <a:fld id="{3A206174-9285-4089-8906-30F00F244F0E}" type="datetimeFigureOut">
               <a:rPr lang="pt-BR" smtClean="0"/>
-              <a:t>02/11/2024</a:t>
+              <a:t>03/11/2024</a:t>
             </a:fld>
             <a:endParaRPr lang="pt-BR"/>
           </a:p>
@@ -1262,7 +1262,7 @@
           <a:p>
             <a:fld id="{3A206174-9285-4089-8906-30F00F244F0E}" type="datetimeFigureOut">
               <a:rPr lang="pt-BR" smtClean="0"/>
-              <a:t>02/11/2024</a:t>
+              <a:t>03/11/2024</a:t>
             </a:fld>
             <a:endParaRPr lang="pt-BR"/>
           </a:p>
@@ -1629,7 +1629,7 @@
           <a:p>
             <a:fld id="{3A206174-9285-4089-8906-30F00F244F0E}" type="datetimeFigureOut">
               <a:rPr lang="pt-BR" smtClean="0"/>
-              <a:t>02/11/2024</a:t>
+              <a:t>03/11/2024</a:t>
             </a:fld>
             <a:endParaRPr lang="pt-BR"/>
           </a:p>
@@ -1747,7 +1747,7 @@
           <a:p>
             <a:fld id="{3A206174-9285-4089-8906-30F00F244F0E}" type="datetimeFigureOut">
               <a:rPr lang="pt-BR" smtClean="0"/>
-              <a:t>02/11/2024</a:t>
+              <a:t>03/11/2024</a:t>
             </a:fld>
             <a:endParaRPr lang="pt-BR"/>
           </a:p>
@@ -1842,7 +1842,7 @@
           <a:p>
             <a:fld id="{3A206174-9285-4089-8906-30F00F244F0E}" type="datetimeFigureOut">
               <a:rPr lang="pt-BR" smtClean="0"/>
-              <a:t>02/11/2024</a:t>
+              <a:t>03/11/2024</a:t>
             </a:fld>
             <a:endParaRPr lang="pt-BR"/>
           </a:p>
@@ -2119,7 +2119,7 @@
           <a:p>
             <a:fld id="{3A206174-9285-4089-8906-30F00F244F0E}" type="datetimeFigureOut">
               <a:rPr lang="pt-BR" smtClean="0"/>
-              <a:t>02/11/2024</a:t>
+              <a:t>03/11/2024</a:t>
             </a:fld>
             <a:endParaRPr lang="pt-BR"/>
           </a:p>
@@ -2376,7 +2376,7 @@
           <a:p>
             <a:fld id="{3A206174-9285-4089-8906-30F00F244F0E}" type="datetimeFigureOut">
               <a:rPr lang="pt-BR" smtClean="0"/>
-              <a:t>02/11/2024</a:t>
+              <a:t>03/11/2024</a:t>
             </a:fld>
             <a:endParaRPr lang="pt-BR"/>
           </a:p>
@@ -2589,7 +2589,7 @@
           <a:p>
             <a:fld id="{3A206174-9285-4089-8906-30F00F244F0E}" type="datetimeFigureOut">
               <a:rPr lang="pt-BR" smtClean="0"/>
-              <a:t>02/11/2024</a:t>
+              <a:t>03/11/2024</a:t>
             </a:fld>
             <a:endParaRPr lang="pt-BR"/>
           </a:p>
@@ -4227,10 +4227,10 @@
       </p:grpSpPr>
       <p:sp>
         <p:nvSpPr>
-          <p:cNvPr id="2" name="Retângulo 1">
+          <p:cNvPr id="8" name="Retângulo 7">
             <a:extLst>
               <a:ext uri="{FF2B5EF4-FFF2-40B4-BE49-F238E27FC236}">
-                <a16:creationId xmlns:a16="http://schemas.microsoft.com/office/drawing/2014/main" id="{56E00986-74EA-423A-BCA8-605F996C9B29}"/>
+                <a16:creationId xmlns:a16="http://schemas.microsoft.com/office/drawing/2014/main" id="{11F24E3B-85E1-48AB-9CFB-B5109311E6B2}"/>
               </a:ext>
             </a:extLst>
           </p:cNvPr>
@@ -4246,10 +4246,7 @@
             <a:avLst/>
           </a:prstGeom>
           <a:solidFill>
-            <a:schemeClr val="tx1">
-              <a:lumMod val="75000"/>
-              <a:lumOff val="25000"/>
-            </a:schemeClr>
+            <a:srgbClr val="131620"/>
           </a:solidFill>
           <a:ln>
             <a:noFill/>
@@ -4280,6 +4277,42 @@
           </a:p>
         </p:txBody>
       </p:sp>
+      <p:pic>
+        <p:nvPicPr>
+          <p:cNvPr id="7" name="Imagem 6">
+            <a:extLst>
+              <a:ext uri="{FF2B5EF4-FFF2-40B4-BE49-F238E27FC236}">
+                <a16:creationId xmlns:a16="http://schemas.microsoft.com/office/drawing/2014/main" id="{51CF3C48-93FC-46E1-860C-0281AB5CBB6F}"/>
+              </a:ext>
+            </a:extLst>
+          </p:cNvPr>
+          <p:cNvPicPr>
+            <a:picLocks noChangeAspect="1"/>
+          </p:cNvPicPr>
+          <p:nvPr/>
+        </p:nvPicPr>
+        <p:blipFill>
+          <a:blip r:embed="rId2">
+            <a:extLst>
+              <a:ext uri="{28A0092B-C50C-407E-A947-70E740481C1C}">
+                <a14:useLocalDpi xmlns:a14="http://schemas.microsoft.com/office/drawing/2010/main" val="0"/>
+              </a:ext>
+            </a:extLst>
+          </a:blip>
+          <a:stretch>
+            <a:fillRect/>
+          </a:stretch>
+        </p:blipFill>
+        <p:spPr>
+          <a:xfrm>
+            <a:off x="1200150" y="0"/>
+            <a:ext cx="7200900" cy="12801600"/>
+          </a:xfrm>
+          <a:prstGeom prst="rect">
+            <a:avLst/>
+          </a:prstGeom>
+        </p:spPr>
+      </p:pic>
     </p:spTree>
     <p:extLst>
       <p:ext uri="{BB962C8B-B14F-4D97-AF65-F5344CB8AC3E}">
